--- a/draft resilience17.pptx
+++ b/draft resilience17.pptx
@@ -164,7 +164,7 @@
   </p:defaultTextStyle>
   <p:extLst>
     <p:ext uri="{EFAFB233-063F-42B5-8137-9DF3F51BA10A}">
-      <p15:sldGuideLst xmlns="" xmlns:p15="http://schemas.microsoft.com/office/powerpoint/2012/main">
+      <p15:sldGuideLst xmlns:p15="http://schemas.microsoft.com/office/powerpoint/2012/main" xmlns="">
         <p15:guide id="1" orient="horz" pos="3072">
           <p15:clr>
             <a:srgbClr val="A4A3A4"/>
@@ -281,7 +281,7 @@
             <a:fld id="{9372FD76-EB9F-764F-8F27-36E8BD5ED777}" type="datetimeFigureOut">
               <a:rPr lang="nl-NL"/>
               <a:pPr/>
-              <a:t>17/08/17</a:t>
+              <a:t>20/08/17</a:t>
             </a:fld>
             <a:endParaRPr lang="nl-NL"/>
           </a:p>
@@ -477,7 +477,7 @@
             <a:fld id="{A801D9F9-3769-E54C-B9DD-B0DA30EEDA23}" type="datetimeFigureOut">
               <a:rPr lang="nl-NL"/>
               <a:pPr/>
-              <a:t>17/08/17</a:t>
+              <a:t>20/08/17</a:t>
             </a:fld>
             <a:endParaRPr lang="nl-NL"/>
           </a:p>
@@ -2124,7 +2124,7 @@
           <a:p>
             <a:fld id="{D88EC65B-D77A-B24E-9703-40BE60F18F63}" type="datetimeFigureOut">
               <a:rPr lang="en-US" smtClean="0"/>
-              <a:t>17/08/17</a:t>
+              <a:t>20/08/17</a:t>
             </a:fld>
             <a:endParaRPr lang="en-US"/>
           </a:p>
@@ -2334,7 +2334,7 @@
           <a:p>
             <a:fld id="{D88EC65B-D77A-B24E-9703-40BE60F18F63}" type="datetimeFigureOut">
               <a:rPr lang="en-US" smtClean="0"/>
-              <a:t>17/08/17</a:t>
+              <a:t>20/08/17</a:t>
             </a:fld>
             <a:endParaRPr lang="en-US"/>
           </a:p>
@@ -2610,7 +2610,7 @@
           <a:p>
             <a:fld id="{D88EC65B-D77A-B24E-9703-40BE60F18F63}" type="datetimeFigureOut">
               <a:rPr lang="en-US" smtClean="0"/>
-              <a:t>17/08/17</a:t>
+              <a:t>20/08/17</a:t>
             </a:fld>
             <a:endParaRPr lang="en-US"/>
           </a:p>
@@ -2936,7 +2936,7 @@
           <a:p>
             <a:fld id="{D88EC65B-D77A-B24E-9703-40BE60F18F63}" type="datetimeFigureOut">
               <a:rPr lang="en-US" smtClean="0"/>
-              <a:t>17/08/17</a:t>
+              <a:t>20/08/17</a:t>
             </a:fld>
             <a:endParaRPr lang="en-US"/>
           </a:p>
@@ -3402,7 +3402,7 @@
           <a:p>
             <a:fld id="{D88EC65B-D77A-B24E-9703-40BE60F18F63}" type="datetimeFigureOut">
               <a:rPr lang="en-US" smtClean="0"/>
-              <a:t>17/08/17</a:t>
+              <a:t>20/08/17</a:t>
             </a:fld>
             <a:endParaRPr lang="en-US"/>
           </a:p>
@@ -3706,7 +3706,7 @@
           <a:p>
             <a:fld id="{D88EC65B-D77A-B24E-9703-40BE60F18F63}" type="datetimeFigureOut">
               <a:rPr lang="en-US" smtClean="0"/>
-              <a:t>17/08/17</a:t>
+              <a:t>20/08/17</a:t>
             </a:fld>
             <a:endParaRPr lang="en-US"/>
           </a:p>
@@ -3825,7 +3825,7 @@
           <a:p>
             <a:fld id="{D88EC65B-D77A-B24E-9703-40BE60F18F63}" type="datetimeFigureOut">
               <a:rPr lang="en-US" smtClean="0"/>
-              <a:t>17/08/17</a:t>
+              <a:t>20/08/17</a:t>
             </a:fld>
             <a:endParaRPr lang="en-US"/>
           </a:p>
@@ -4135,7 +4135,7 @@
           <a:p>
             <a:fld id="{D88EC65B-D77A-B24E-9703-40BE60F18F63}" type="datetimeFigureOut">
               <a:rPr lang="en-US" smtClean="0"/>
-              <a:t>17/08/17</a:t>
+              <a:t>20/08/17</a:t>
             </a:fld>
             <a:endParaRPr lang="en-US"/>
           </a:p>
@@ -4421,7 +4421,7 @@
           <a:p>
             <a:fld id="{D88EC65B-D77A-B24E-9703-40BE60F18F63}" type="datetimeFigureOut">
               <a:rPr lang="en-US" smtClean="0"/>
-              <a:t>17/08/17</a:t>
+              <a:t>20/08/17</a:t>
             </a:fld>
             <a:endParaRPr lang="en-US"/>
           </a:p>
@@ -4631,7 +4631,7 @@
           <a:p>
             <a:fld id="{D88EC65B-D77A-B24E-9703-40BE60F18F63}" type="datetimeFigureOut">
               <a:rPr lang="en-US" smtClean="0"/>
-              <a:t>17/08/17</a:t>
+              <a:t>20/08/17</a:t>
             </a:fld>
             <a:endParaRPr lang="en-US"/>
           </a:p>
@@ -4841,7 +4841,7 @@
           <a:p>
             <a:fld id="{D88EC65B-D77A-B24E-9703-40BE60F18F63}" type="datetimeFigureOut">
               <a:rPr lang="en-US" smtClean="0"/>
-              <a:t>17/08/17</a:t>
+              <a:t>20/08/17</a:t>
             </a:fld>
             <a:endParaRPr lang="en-US"/>
           </a:p>
@@ -5099,7 +5099,7 @@
           <a:p>
             <a:fld id="{9861512E-2EE5-2448-AB47-1C0A5804569F}" type="datetimeFigureOut">
               <a:rPr lang="en-US" smtClean="0"/>
-              <a:t>17/08/17</a:t>
+              <a:t>20/08/17</a:t>
             </a:fld>
             <a:endParaRPr lang="en-US"/>
           </a:p>
@@ -5269,7 +5269,7 @@
           <a:p>
             <a:fld id="{9861512E-2EE5-2448-AB47-1C0A5804569F}" type="datetimeFigureOut">
               <a:rPr lang="en-US" smtClean="0"/>
-              <a:t>17/08/17</a:t>
+              <a:t>20/08/17</a:t>
             </a:fld>
             <a:endParaRPr lang="en-US"/>
           </a:p>
@@ -5515,7 +5515,7 @@
           <a:p>
             <a:fld id="{9861512E-2EE5-2448-AB47-1C0A5804569F}" type="datetimeFigureOut">
               <a:rPr lang="en-US" smtClean="0"/>
-              <a:t>17/08/17</a:t>
+              <a:t>20/08/17</a:t>
             </a:fld>
             <a:endParaRPr lang="en-US"/>
           </a:p>
@@ -5803,7 +5803,7 @@
           <a:p>
             <a:fld id="{9861512E-2EE5-2448-AB47-1C0A5804569F}" type="datetimeFigureOut">
               <a:rPr lang="en-US" smtClean="0"/>
-              <a:t>17/08/17</a:t>
+              <a:t>20/08/17</a:t>
             </a:fld>
             <a:endParaRPr lang="en-US"/>
           </a:p>
@@ -6330,7 +6330,7 @@
           <a:p>
             <a:fld id="{9861512E-2EE5-2448-AB47-1C0A5804569F}" type="datetimeFigureOut">
               <a:rPr lang="en-US" smtClean="0"/>
-              <a:t>17/08/17</a:t>
+              <a:t>20/08/17</a:t>
             </a:fld>
             <a:endParaRPr lang="en-US"/>
           </a:p>
@@ -6448,7 +6448,7 @@
           <a:p>
             <a:fld id="{9861512E-2EE5-2448-AB47-1C0A5804569F}" type="datetimeFigureOut">
               <a:rPr lang="en-US" smtClean="0"/>
-              <a:t>17/08/17</a:t>
+              <a:t>20/08/17</a:t>
             </a:fld>
             <a:endParaRPr lang="en-US"/>
           </a:p>
@@ -6543,7 +6543,7 @@
           <a:p>
             <a:fld id="{9861512E-2EE5-2448-AB47-1C0A5804569F}" type="datetimeFigureOut">
               <a:rPr lang="en-US" smtClean="0"/>
-              <a:t>17/08/17</a:t>
+              <a:t>20/08/17</a:t>
             </a:fld>
             <a:endParaRPr lang="en-US"/>
           </a:p>
@@ -6820,7 +6820,7 @@
           <a:p>
             <a:fld id="{9861512E-2EE5-2448-AB47-1C0A5804569F}" type="datetimeFigureOut">
               <a:rPr lang="en-US" smtClean="0"/>
-              <a:t>17/08/17</a:t>
+              <a:t>20/08/17</a:t>
             </a:fld>
             <a:endParaRPr lang="en-US"/>
           </a:p>
@@ -7073,7 +7073,7 @@
           <a:p>
             <a:fld id="{9861512E-2EE5-2448-AB47-1C0A5804569F}" type="datetimeFigureOut">
               <a:rPr lang="en-US" smtClean="0"/>
-              <a:t>17/08/17</a:t>
+              <a:t>20/08/17</a:t>
             </a:fld>
             <a:endParaRPr lang="en-US"/>
           </a:p>
@@ -7243,7 +7243,7 @@
           <a:p>
             <a:fld id="{9861512E-2EE5-2448-AB47-1C0A5804569F}" type="datetimeFigureOut">
               <a:rPr lang="en-US" smtClean="0"/>
-              <a:t>17/08/17</a:t>
+              <a:t>20/08/17</a:t>
             </a:fld>
             <a:endParaRPr lang="en-US"/>
           </a:p>
@@ -7423,7 +7423,7 @@
           <a:p>
             <a:fld id="{9861512E-2EE5-2448-AB47-1C0A5804569F}" type="datetimeFigureOut">
               <a:rPr lang="en-US" smtClean="0"/>
-              <a:t>17/08/17</a:t>
+              <a:t>20/08/17</a:t>
             </a:fld>
             <a:endParaRPr lang="en-US"/>
           </a:p>
@@ -9703,7 +9703,7 @@
           <a:p>
             <a:fld id="{9861512E-2EE5-2448-AB47-1C0A5804569F}" type="datetimeFigureOut">
               <a:rPr lang="en-US" smtClean="0"/>
-              <a:t>17/08/17</a:t>
+              <a:t>20/08/17</a:t>
             </a:fld>
             <a:endParaRPr lang="en-US"/>
           </a:p>
@@ -10354,17 +10354,7 @@
                   </a:schemeClr>
                 </a:solidFill>
               </a:rPr>
-              <a:t>Jan </a:t>
-            </a:r>
-            <a:r>
-              <a:rPr lang="en-US" sz="2000" dirty="0" smtClean="0">
-                <a:solidFill>
-                  <a:schemeClr val="bg1">
-                    <a:lumMod val="65000"/>
-                  </a:schemeClr>
-                </a:solidFill>
-              </a:rPr>
-              <a:t>Kwakkel, Caitlin Spence, and Klaus Keller</a:t>
+              <a:t>Jan Kwakkel, Caitlin Spence, and Klaus Keller</a:t>
             </a:r>
             <a:endParaRPr lang="en-US" sz="2000" dirty="0">
               <a:solidFill>
@@ -11185,30 +11175,119 @@
           <a:bodyPr/>
           <a:lstStyle/>
           <a:p>
-            <a:endParaRPr lang="en-US"/>
-          </a:p>
-        </p:txBody>
-      </p:sp>
-      <p:sp>
-        <p:nvSpPr>
-          <p:cNvPr id="3" name="Content Placeholder 2"/>
-          <p:cNvSpPr>
-            <a:spLocks noGrp="1"/>
-          </p:cNvSpPr>
-          <p:nvPr>
-            <p:ph idx="1"/>
-          </p:nvPr>
-        </p:nvSpPr>
-        <p:spPr/>
-        <p:txBody>
-          <a:bodyPr/>
+            <a:r>
+              <a:rPr lang="en-US" dirty="0" smtClean="0"/>
+              <a:t>Endogenous learning</a:t>
+            </a:r>
+            <a:endParaRPr lang="en-US" dirty="0"/>
+          </a:p>
+        </p:txBody>
+      </p:sp>
+      <p:pic>
+        <p:nvPicPr>
+          <p:cNvPr id="4" name="Picture 3"/>
+          <p:cNvPicPr>
+            <a:picLocks noChangeAspect="1"/>
+          </p:cNvPicPr>
+          <p:nvPr/>
+        </p:nvPicPr>
+        <p:blipFill>
+          <a:blip r:embed="rId2">
+            <a:extLst>
+              <a:ext uri="{28A0092B-C50C-407E-A947-70E740481C1C}">
+                <a14:useLocalDpi xmlns:a14="http://schemas.microsoft.com/office/drawing/2010/main" val="0"/>
+              </a:ext>
+            </a:extLst>
+          </a:blip>
+          <a:stretch>
+            <a:fillRect/>
+          </a:stretch>
+        </p:blipFill>
+        <p:spPr>
+          <a:xfrm>
+            <a:off x="2325936" y="1492423"/>
+            <a:ext cx="10225136" cy="7576457"/>
+          </a:xfrm>
+          <a:prstGeom prst="rect">
+            <a:avLst/>
+          </a:prstGeom>
+        </p:spPr>
+      </p:pic>
+      <p:sp>
+        <p:nvSpPr>
+          <p:cNvPr id="5" name="TextBox 4"/>
+          <p:cNvSpPr txBox="1"/>
+          <p:nvPr/>
+        </p:nvSpPr>
+        <p:spPr>
+          <a:xfrm>
+            <a:off x="2253928" y="9116560"/>
+            <a:ext cx="9505056" cy="369332"/>
+          </a:xfrm>
+          <a:prstGeom prst="rect">
+            <a:avLst/>
+          </a:prstGeom>
+          <a:noFill/>
+        </p:spPr>
+        <p:txBody>
+          <a:bodyPr wrap="square" rtlCol="0">
+            <a:spAutoFit/>
+          </a:bodyPr>
           <a:lstStyle/>
           <a:p>
             <a:r>
-              <a:rPr lang="en-US" dirty="0" smtClean="0"/>
-              <a:t>Endogenous learning </a:t>
-            </a:r>
-            <a:endParaRPr lang="en-US" dirty="0"/>
+              <a:rPr lang="en-US" sz="1800" dirty="0" smtClean="0">
+                <a:solidFill>
+                  <a:srgbClr val="A6A6A6"/>
+                </a:solidFill>
+              </a:rPr>
+              <a:t>Quinn et </a:t>
+            </a:r>
+            <a:r>
+              <a:rPr lang="en-US" sz="1800" dirty="0" smtClean="0">
+                <a:solidFill>
+                  <a:srgbClr val="A6A6A6"/>
+                </a:solidFill>
+              </a:rPr>
+              <a:t>al (</a:t>
+            </a:r>
+            <a:r>
+              <a:rPr lang="en-US" sz="1800" dirty="0" smtClean="0">
+                <a:solidFill>
+                  <a:srgbClr val="A6A6A6"/>
+                </a:solidFill>
+              </a:rPr>
+              <a:t>2017) </a:t>
+            </a:r>
+            <a:r>
+              <a:rPr lang="en-US" sz="1800" dirty="0" err="1" smtClean="0">
+                <a:solidFill>
+                  <a:srgbClr val="A6A6A6"/>
+                </a:solidFill>
+              </a:rPr>
+              <a:t>doi</a:t>
+            </a:r>
+            <a:r>
+              <a:rPr lang="en-US" sz="1800" dirty="0" smtClean="0">
+                <a:solidFill>
+                  <a:srgbClr val="A6A6A6"/>
+                </a:solidFill>
+              </a:rPr>
+              <a:t> </a:t>
+            </a:r>
+            <a:r>
+              <a:rPr lang="hr-HR" sz="1800" dirty="0">
+                <a:solidFill>
+                  <a:srgbClr val="A6A6A6"/>
+                </a:solidFill>
+              </a:rPr>
+              <a:t>10.1016/j.envsoft.2017.02.017</a:t>
+            </a:r>
+            <a:endParaRPr lang="en-US" sz="1800" dirty="0">
+              <a:solidFill>
+                <a:srgbClr val="A6A6A6"/>
+              </a:solidFill>
+            </a:endParaRPr>
           </a:p>
         </p:txBody>
       </p:sp>
@@ -11284,7 +11363,7 @@
         <p:spPr>
           <a:xfrm>
             <a:off x="2037904" y="2126320"/>
-            <a:ext cx="11007328" cy="6134856"/>
+            <a:ext cx="10966896" cy="6134856"/>
           </a:xfrm>
           <a:prstGeom prst="rect">
             <a:avLst/>
@@ -11541,16 +11620,6 @@
               </a:rPr>
               <a:t>Do we know this exactly?</a:t>
             </a:r>
-            <a:endParaRPr kumimoji="0" lang="en-US" sz="2400" b="0" i="0" u="none" strike="noStrike" cap="none" normalizeH="0" baseline="0" dirty="0" smtClean="0">
-              <a:ln>
-                <a:noFill/>
-              </a:ln>
-              <a:solidFill>
-                <a:schemeClr val="bg1"/>
-              </a:solidFill>
-              <a:latin typeface="Arial" charset="0"/>
-              <a:ea typeface="ＭＳ Ｐゴシック" pitchFamily="1" charset="-128"/>
-            </a:endParaRPr>
           </a:p>
         </p:txBody>
       </p:sp>
@@ -11621,16 +11690,6 @@
               </a:rPr>
               <a:t>How to discount this over time?</a:t>
             </a:r>
-            <a:endParaRPr kumimoji="0" lang="en-US" sz="2400" b="0" i="0" u="none" strike="noStrike" cap="none" normalizeH="0" baseline="0" dirty="0" smtClean="0">
-              <a:ln>
-                <a:noFill/>
-              </a:ln>
-              <a:solidFill>
-                <a:schemeClr val="bg1"/>
-              </a:solidFill>
-              <a:latin typeface="Arial" charset="0"/>
-              <a:ea typeface="ＭＳ Ｐゴシック" pitchFamily="1" charset="-128"/>
-            </a:endParaRPr>
           </a:p>
         </p:txBody>
       </p:sp>
@@ -11686,6 +11745,11 @@
           <a:bodyPr/>
           <a:lstStyle/>
           <a:p>
+            <a:pPr marL="1216025" indent="-1216025"/>
+            <a:r>
+              <a:rPr lang="en-US" dirty="0" smtClean="0"/>
+              <a:t>Deep Uncertainty re-evaluation</a:t>
+            </a:r>
             <a:endParaRPr lang="en-US" dirty="0"/>
           </a:p>
         </p:txBody>

--- a/draft resilience17.pptx
+++ b/draft resilience17.pptx
@@ -15,16 +15,16 @@
   <p:sldIdLst>
     <p:sldId id="384" r:id="rId4"/>
     <p:sldId id="404" r:id="rId5"/>
-    <p:sldId id="403" r:id="rId6"/>
-    <p:sldId id="406" r:id="rId7"/>
-    <p:sldId id="409" r:id="rId8"/>
-    <p:sldId id="402" r:id="rId9"/>
-    <p:sldId id="405" r:id="rId10"/>
-    <p:sldId id="407" r:id="rId11"/>
-    <p:sldId id="410" r:id="rId12"/>
-    <p:sldId id="411" r:id="rId13"/>
-    <p:sldId id="408" r:id="rId14"/>
-    <p:sldId id="399" r:id="rId15"/>
+    <p:sldId id="412" r:id="rId6"/>
+    <p:sldId id="403" r:id="rId7"/>
+    <p:sldId id="406" r:id="rId8"/>
+    <p:sldId id="409" r:id="rId9"/>
+    <p:sldId id="402" r:id="rId10"/>
+    <p:sldId id="405" r:id="rId11"/>
+    <p:sldId id="407" r:id="rId12"/>
+    <p:sldId id="410" r:id="rId13"/>
+    <p:sldId id="411" r:id="rId14"/>
+    <p:sldId id="413" r:id="rId15"/>
   </p:sldIdLst>
   <p:sldSz cx="13004800" cy="9753600"/>
   <p:notesSz cx="6794500" cy="9931400"/>
@@ -863,7 +863,7 @@
             <a:fld id="{DA5D37AB-0158-D143-B9D4-A5272563F8A7}" type="slidenum">
               <a:rPr lang="nl-NL" smtClean="0"/>
               <a:pPr/>
-              <a:t>8</a:t>
+              <a:t>9</a:t>
             </a:fld>
             <a:endParaRPr lang="nl-NL"/>
           </a:p>
@@ -873,95 +873,6 @@
     <p:extLst>
       <p:ext uri="{BB962C8B-B14F-4D97-AF65-F5344CB8AC3E}">
         <p14:creationId xmlns:p14="http://schemas.microsoft.com/office/powerpoint/2010/main" val="3078321151"/>
-      </p:ext>
-    </p:extLst>
-  </p:cSld>
-  <p:clrMapOvr>
-    <a:masterClrMapping/>
-  </p:clrMapOvr>
-</p:notes>
-</file>
-
-<file path=ppt/notesSlides/notesSlide2.xml><?xml version="1.0" encoding="utf-8"?>
-<p:notes xmlns:a="http://schemas.openxmlformats.org/drawingml/2006/main" xmlns:r="http://schemas.openxmlformats.org/officeDocument/2006/relationships" xmlns:p="http://schemas.openxmlformats.org/presentationml/2006/main">
-  <p:cSld>
-    <p:spTree>
-      <p:nvGrpSpPr>
-        <p:cNvPr id="1" name=""/>
-        <p:cNvGrpSpPr/>
-        <p:nvPr/>
-      </p:nvGrpSpPr>
-      <p:grpSpPr>
-        <a:xfrm>
-          <a:off x="0" y="0"/>
-          <a:ext cx="0" cy="0"/>
-          <a:chOff x="0" y="0"/>
-          <a:chExt cx="0" cy="0"/>
-        </a:xfrm>
-      </p:grpSpPr>
-      <p:sp>
-        <p:nvSpPr>
-          <p:cNvPr id="2" name="Slide Image Placeholder 1"/>
-          <p:cNvSpPr>
-            <a:spLocks noGrp="1" noRot="1" noChangeAspect="1"/>
-          </p:cNvSpPr>
-          <p:nvPr>
-            <p:ph type="sldImg"/>
-          </p:nvPr>
-        </p:nvSpPr>
-        <p:spPr/>
-      </p:sp>
-      <p:sp>
-        <p:nvSpPr>
-          <p:cNvPr id="3" name="Notes Placeholder 2"/>
-          <p:cNvSpPr>
-            <a:spLocks noGrp="1"/>
-          </p:cNvSpPr>
-          <p:nvPr>
-            <p:ph type="body" idx="1"/>
-          </p:nvPr>
-        </p:nvSpPr>
-        <p:spPr/>
-        <p:txBody>
-          <a:bodyPr/>
-          <a:lstStyle/>
-          <a:p>
-            <a:r>
-              <a:rPr lang="en-US" dirty="0" smtClean="0"/>
-              <a:t>RDM</a:t>
-            </a:r>
-            <a:endParaRPr lang="en-US" dirty="0"/>
-          </a:p>
-        </p:txBody>
-      </p:sp>
-      <p:sp>
-        <p:nvSpPr>
-          <p:cNvPr id="4" name="Slide Number Placeholder 3"/>
-          <p:cNvSpPr>
-            <a:spLocks noGrp="1"/>
-          </p:cNvSpPr>
-          <p:nvPr>
-            <p:ph type="sldNum" sz="quarter" idx="10"/>
-          </p:nvPr>
-        </p:nvSpPr>
-        <p:spPr/>
-        <p:txBody>
-          <a:bodyPr/>
-          <a:lstStyle/>
-          <a:p>
-            <a:fld id="{DA5D37AB-0158-D143-B9D4-A5272563F8A7}" type="slidenum">
-              <a:rPr lang="nl-NL" smtClean="0"/>
-              <a:pPr/>
-              <a:t>12</a:t>
-            </a:fld>
-            <a:endParaRPr lang="nl-NL"/>
-          </a:p>
-        </p:txBody>
-      </p:sp>
-    </p:spTree>
-    <p:extLst>
-      <p:ext uri="{BB962C8B-B14F-4D97-AF65-F5344CB8AC3E}">
-        <p14:creationId xmlns:p14="http://schemas.microsoft.com/office/powerpoint/2010/main" val="470081679"/>
       </p:ext>
     </p:extLst>
   </p:cSld>
@@ -10432,20 +10343,61 @@
           <a:bodyPr/>
           <a:lstStyle/>
           <a:p>
-            <a:endParaRPr lang="en-US"/>
+            <a:r>
+              <a:rPr lang="en-US" dirty="0" smtClean="0"/>
+              <a:t>How to address deep uncertainty</a:t>
+            </a:r>
+          </a:p>
+          <a:p>
+            <a:pPr marL="457200" indent="-457200">
+              <a:buFont typeface="Arial"/>
+              <a:buChar char="•"/>
+            </a:pPr>
+            <a:r>
+              <a:rPr lang="en-US" dirty="0" smtClean="0"/>
+              <a:t>Search for several carefully selected scenarios</a:t>
+            </a:r>
+          </a:p>
+          <a:p>
+            <a:pPr marL="457200" indent="-457200">
+              <a:buFont typeface="Arial"/>
+              <a:buChar char="•"/>
+            </a:pPr>
+            <a:r>
+              <a:rPr lang="en-US" dirty="0" smtClean="0"/>
+              <a:t>Robust optimization</a:t>
+            </a:r>
+          </a:p>
+          <a:p>
+            <a:pPr marL="457200" indent="-457200">
+              <a:buFont typeface="Arial"/>
+              <a:buChar char="•"/>
+            </a:pPr>
+            <a:r>
+              <a:rPr lang="en-US" dirty="0" smtClean="0"/>
+              <a:t>(Iterative refinement using scenario discovery)</a:t>
+            </a:r>
+            <a:endParaRPr lang="en-US" dirty="0"/>
           </a:p>
         </p:txBody>
       </p:sp>
     </p:spTree>
     <p:extLst>
       <p:ext uri="{BB962C8B-B14F-4D97-AF65-F5344CB8AC3E}">
-        <p14:creationId xmlns:p14="http://schemas.microsoft.com/office/powerpoint/2010/main" val="21846093"/>
+        <p14:creationId xmlns:p14="http://schemas.microsoft.com/office/powerpoint/2010/main" val="4083602984"/>
       </p:ext>
     </p:extLst>
   </p:cSld>
   <p:clrMapOvr>
     <a:masterClrMapping/>
   </p:clrMapOvr>
+  <p:timing>
+    <p:tnLst>
+      <p:par>
+        <p:cTn xmlns:p14="http://schemas.microsoft.com/office/powerpoint/2010/main" id="1" dur="indefinite" restart="never" nodeType="tmRoot"/>
+      </p:par>
+    </p:tnLst>
+  </p:timing>
 </p:sld>
 </file>
 
@@ -10485,16 +10437,42 @@
           </a:p>
         </p:txBody>
       </p:sp>
+      <p:sp>
+        <p:nvSpPr>
+          <p:cNvPr id="3" name="Content Placeholder 2"/>
+          <p:cNvSpPr>
+            <a:spLocks noGrp="1"/>
+          </p:cNvSpPr>
+          <p:nvPr>
+            <p:ph idx="1"/>
+          </p:nvPr>
+        </p:nvSpPr>
+        <p:spPr/>
+        <p:txBody>
+          <a:bodyPr/>
+          <a:lstStyle/>
+          <a:p>
+            <a:endParaRPr lang="en-US"/>
+          </a:p>
+        </p:txBody>
+      </p:sp>
     </p:spTree>
     <p:extLst>
       <p:ext uri="{BB962C8B-B14F-4D97-AF65-F5344CB8AC3E}">
-        <p14:creationId xmlns:p14="http://schemas.microsoft.com/office/powerpoint/2010/main" val="753968651"/>
+        <p14:creationId xmlns:p14="http://schemas.microsoft.com/office/powerpoint/2010/main" val="21846093"/>
       </p:ext>
     </p:extLst>
   </p:cSld>
   <p:clrMapOvr>
     <a:masterClrMapping/>
   </p:clrMapOvr>
+  <p:timing>
+    <p:tnLst>
+      <p:par>
+        <p:cTn xmlns:p14="http://schemas.microsoft.com/office/powerpoint/2010/main" id="1" dur="indefinite" restart="never" nodeType="tmRoot"/>
+      </p:par>
+    </p:tnLst>
+  </p:timing>
 </p:sld>
 </file>
 
@@ -10517,14 +10495,14 @@
       </p:grpSpPr>
       <p:pic>
         <p:nvPicPr>
-          <p:cNvPr id="5" name="Picture 4" descr="deep uncertainty typology.gif"/>
+          <p:cNvPr id="2" name="Picture 1" descr="figconceptual diagram2_highres.png"/>
           <p:cNvPicPr>
             <a:picLocks noChangeAspect="1"/>
           </p:cNvPicPr>
           <p:nvPr/>
         </p:nvPicPr>
         <p:blipFill>
-          <a:blip r:embed="rId3">
+          <a:blip r:embed="rId2" cstate="print">
             <a:extLst>
               <a:ext uri="{28A0092B-C50C-407E-A947-70E740481C1C}">
                 <a14:useLocalDpi xmlns:a14="http://schemas.microsoft.com/office/drawing/2010/main" val="0"/>
@@ -10537,136 +10515,18 @@
         </p:blipFill>
         <p:spPr>
           <a:xfrm>
-            <a:off x="2902000" y="52264"/>
-            <a:ext cx="7848872" cy="8913794"/>
+            <a:off x="1979458" y="-19744"/>
+            <a:ext cx="11075670" cy="9791700"/>
           </a:xfrm>
           <a:prstGeom prst="rect">
             <a:avLst/>
           </a:prstGeom>
         </p:spPr>
       </p:pic>
-      <p:sp>
-        <p:nvSpPr>
-          <p:cNvPr id="6" name="TextBox 5"/>
-          <p:cNvSpPr txBox="1"/>
-          <p:nvPr/>
-        </p:nvSpPr>
-        <p:spPr>
-          <a:xfrm>
-            <a:off x="2253928" y="9116560"/>
-            <a:ext cx="9505056" cy="646331"/>
-          </a:xfrm>
-          <a:prstGeom prst="rect">
-            <a:avLst/>
-          </a:prstGeom>
-          <a:noFill/>
-        </p:spPr>
-        <p:txBody>
-          <a:bodyPr wrap="square" rtlCol="0">
-            <a:spAutoFit/>
-          </a:bodyPr>
-          <a:lstStyle/>
-          <a:p>
-            <a:r>
-              <a:rPr lang="en-US" sz="1800" dirty="0" smtClean="0">
-                <a:solidFill>
-                  <a:srgbClr val="A6A6A6"/>
-                </a:solidFill>
-              </a:rPr>
-              <a:t>Inspired </a:t>
-            </a:r>
-            <a:r>
-              <a:rPr lang="en-US" sz="1800" dirty="0">
-                <a:solidFill>
-                  <a:srgbClr val="A6A6A6"/>
-                </a:solidFill>
-              </a:rPr>
-              <a:t>by </a:t>
-            </a:r>
-            <a:r>
-              <a:rPr lang="en-US" sz="1800" dirty="0" smtClean="0">
-                <a:solidFill>
-                  <a:srgbClr val="A6A6A6"/>
-                </a:solidFill>
-              </a:rPr>
-              <a:t>Herman</a:t>
-            </a:r>
-            <a:r>
-              <a:rPr lang="en-US" sz="1800" dirty="0">
-                <a:solidFill>
-                  <a:srgbClr val="A6A6A6"/>
-                </a:solidFill>
-              </a:rPr>
-              <a:t> </a:t>
-            </a:r>
-            <a:r>
-              <a:rPr lang="en-US" sz="1800" i="1" dirty="0" smtClean="0">
-                <a:solidFill>
-                  <a:srgbClr val="A6A6A6"/>
-                </a:solidFill>
-              </a:rPr>
-              <a:t>et al</a:t>
-            </a:r>
-            <a:r>
-              <a:rPr lang="en-US" sz="1800" dirty="0" smtClean="0">
-                <a:solidFill>
-                  <a:srgbClr val="A6A6A6"/>
-                </a:solidFill>
-              </a:rPr>
-              <a:t>.(</a:t>
-            </a:r>
-            <a:r>
-              <a:rPr lang="en-US" sz="1800" dirty="0">
-                <a:solidFill>
-                  <a:srgbClr val="A6A6A6"/>
-                </a:solidFill>
-              </a:rPr>
-              <a:t>2015) How should robustness be defined for water systems planning under change. </a:t>
-            </a:r>
-            <a:r>
-              <a:rPr lang="en-US" sz="1800" dirty="0" err="1">
-                <a:solidFill>
-                  <a:srgbClr val="A6A6A6"/>
-                </a:solidFill>
-              </a:rPr>
-              <a:t>d</a:t>
-            </a:r>
-            <a:r>
-              <a:rPr lang="en-US" sz="1800" dirty="0" err="1" smtClean="0">
-                <a:solidFill>
-                  <a:srgbClr val="A6A6A6"/>
-                </a:solidFill>
-              </a:rPr>
-              <a:t>oi</a:t>
-            </a:r>
-            <a:r>
-              <a:rPr lang="en-US" sz="1800" dirty="0" smtClean="0">
-                <a:solidFill>
-                  <a:srgbClr val="A6A6A6"/>
-                </a:solidFill>
-              </a:rPr>
-              <a:t>: </a:t>
-            </a:r>
-            <a:r>
-              <a:rPr lang="pt-BR" sz="1800" dirty="0">
-                <a:solidFill>
-                  <a:srgbClr val="A6A6A6"/>
-                </a:solidFill>
-              </a:rPr>
-              <a:t>10.1061/(ASCE)WR.1943-5452.0000509</a:t>
-            </a:r>
-            <a:endParaRPr lang="en-US" sz="1800" dirty="0">
-              <a:solidFill>
-                <a:srgbClr val="A6A6A6"/>
-              </a:solidFill>
-            </a:endParaRPr>
-          </a:p>
-        </p:txBody>
-      </p:sp>
     </p:spTree>
     <p:extLst>
       <p:ext uri="{BB962C8B-B14F-4D97-AF65-F5344CB8AC3E}">
-        <p14:creationId xmlns:p14="http://schemas.microsoft.com/office/powerpoint/2010/main" val="2326819203"/>
+        <p14:creationId xmlns:p14="http://schemas.microsoft.com/office/powerpoint/2010/main" val="3854812058"/>
       </p:ext>
     </p:extLst>
   </p:cSld>
@@ -10700,61 +10560,36 @@
           <a:chExt cx="0" cy="0"/>
         </a:xfrm>
       </p:grpSpPr>
-      <p:sp>
-        <p:nvSpPr>
-          <p:cNvPr id="2" name="Title 1"/>
-          <p:cNvSpPr>
-            <a:spLocks noGrp="1"/>
-          </p:cNvSpPr>
-          <p:nvPr>
-            <p:ph type="title"/>
-          </p:nvPr>
-        </p:nvSpPr>
-        <p:spPr/>
-        <p:txBody>
-          <a:bodyPr/>
-          <a:lstStyle/>
-          <a:p>
-            <a:endParaRPr lang="en-US"/>
-          </a:p>
-        </p:txBody>
-      </p:sp>
-      <p:sp>
-        <p:nvSpPr>
-          <p:cNvPr id="3" name="Content Placeholder 2"/>
-          <p:cNvSpPr>
-            <a:spLocks noGrp="1"/>
-          </p:cNvSpPr>
-          <p:nvPr>
-            <p:ph idx="1"/>
-          </p:nvPr>
-        </p:nvSpPr>
-        <p:spPr/>
-        <p:txBody>
-          <a:bodyPr/>
-          <a:lstStyle/>
-          <a:p>
-            <a:r>
-              <a:rPr lang="en-US" dirty="0" smtClean="0"/>
-              <a:t>Explain deep uncertainty</a:t>
-            </a:r>
-          </a:p>
-          <a:p>
-            <a:endParaRPr lang="en-US" dirty="0"/>
-          </a:p>
-          <a:p>
-            <a:r>
-              <a:rPr lang="en-US" dirty="0" smtClean="0"/>
-              <a:t>Introduce exploratory modeling / </a:t>
-            </a:r>
-            <a:r>
-              <a:rPr lang="en-US" dirty="0" err="1" smtClean="0"/>
-              <a:t>mordm</a:t>
-            </a:r>
-            <a:endParaRPr lang="en-US" dirty="0"/>
-          </a:p>
-        </p:txBody>
-      </p:sp>
+      <p:pic>
+        <p:nvPicPr>
+          <p:cNvPr id="5" name="Picture 4" descr="figconceptual diagram_highres.png"/>
+          <p:cNvPicPr>
+            <a:picLocks noChangeAspect="1"/>
+          </p:cNvPicPr>
+          <p:nvPr/>
+        </p:nvPicPr>
+        <p:blipFill>
+          <a:blip r:embed="rId2" cstate="print">
+            <a:extLst>
+              <a:ext uri="{28A0092B-C50C-407E-A947-70E740481C1C}">
+                <a14:useLocalDpi xmlns:a14="http://schemas.microsoft.com/office/drawing/2010/main" val="0"/>
+              </a:ext>
+            </a:extLst>
+          </a:blip>
+          <a:stretch>
+            <a:fillRect/>
+          </a:stretch>
+        </p:blipFill>
+        <p:spPr>
+          <a:xfrm>
+            <a:off x="1979458" y="-18356"/>
+            <a:ext cx="11075670" cy="9791700"/>
+          </a:xfrm>
+          <a:prstGeom prst="rect">
+            <a:avLst/>
+          </a:prstGeom>
+        </p:spPr>
+      </p:pic>
     </p:spTree>
     <p:extLst>
       <p:ext uri="{BB962C8B-B14F-4D97-AF65-F5344CB8AC3E}">
@@ -10792,6 +10627,73 @@
           <a:chExt cx="0" cy="0"/>
         </a:xfrm>
       </p:grpSpPr>
+      <p:pic>
+        <p:nvPicPr>
+          <p:cNvPr id="2" name="Picture 1" descr="figconceptual diagram2_highres.png"/>
+          <p:cNvPicPr>
+            <a:picLocks noChangeAspect="1"/>
+          </p:cNvPicPr>
+          <p:nvPr/>
+        </p:nvPicPr>
+        <p:blipFill>
+          <a:blip r:embed="rId2" cstate="print">
+            <a:extLst>
+              <a:ext uri="{28A0092B-C50C-407E-A947-70E740481C1C}">
+                <a14:useLocalDpi xmlns:a14="http://schemas.microsoft.com/office/drawing/2010/main" val="0"/>
+              </a:ext>
+            </a:extLst>
+          </a:blip>
+          <a:stretch>
+            <a:fillRect/>
+          </a:stretch>
+        </p:blipFill>
+        <p:spPr>
+          <a:xfrm>
+            <a:off x="1979458" y="-19744"/>
+            <a:ext cx="11075670" cy="9791700"/>
+          </a:xfrm>
+          <a:prstGeom prst="rect">
+            <a:avLst/>
+          </a:prstGeom>
+        </p:spPr>
+      </p:pic>
+    </p:spTree>
+    <p:extLst>
+      <p:ext uri="{BB962C8B-B14F-4D97-AF65-F5344CB8AC3E}">
+        <p14:creationId xmlns:p14="http://schemas.microsoft.com/office/powerpoint/2010/main" val="3412654202"/>
+      </p:ext>
+    </p:extLst>
+  </p:cSld>
+  <p:clrMapOvr>
+    <a:masterClrMapping/>
+  </p:clrMapOvr>
+  <p:timing>
+    <p:tnLst>
+      <p:par>
+        <p:cTn xmlns:p14="http://schemas.microsoft.com/office/powerpoint/2010/main" id="1" dur="indefinite" restart="never" nodeType="tmRoot"/>
+      </p:par>
+    </p:tnLst>
+  </p:timing>
+</p:sld>
+</file>
+
+<file path=ppt/slides/slide4.xml><?xml version="1.0" encoding="utf-8"?>
+<p:sld xmlns:a="http://schemas.openxmlformats.org/drawingml/2006/main" xmlns:r="http://schemas.openxmlformats.org/officeDocument/2006/relationships" xmlns:p="http://schemas.openxmlformats.org/presentationml/2006/main">
+  <p:cSld>
+    <p:spTree>
+      <p:nvGrpSpPr>
+        <p:cNvPr id="1" name=""/>
+        <p:cNvGrpSpPr/>
+        <p:nvPr/>
+      </p:nvGrpSpPr>
+      <p:grpSpPr>
+        <a:xfrm>
+          <a:off x="0" y="0"/>
+          <a:ext cx="0" cy="0"/>
+          <a:chOff x="0" y="0"/>
+          <a:chExt cx="0" cy="0"/>
+        </a:xfrm>
+      </p:grpSpPr>
       <p:sp>
         <p:nvSpPr>
           <p:cNvPr id="2" name="Title 1"/>
@@ -10931,36 +10833,6 @@
           </a:p>
         </p:txBody>
       </p:sp>
-      <p:sp>
-        <p:nvSpPr>
-          <p:cNvPr id="6" name="TextBox 5"/>
-          <p:cNvSpPr txBox="1"/>
-          <p:nvPr/>
-        </p:nvSpPr>
-        <p:spPr>
-          <a:xfrm>
-            <a:off x="2256997" y="7541096"/>
-            <a:ext cx="10719245" cy="754053"/>
-          </a:xfrm>
-          <a:prstGeom prst="rect">
-            <a:avLst/>
-          </a:prstGeom>
-          <a:noFill/>
-        </p:spPr>
-        <p:txBody>
-          <a:bodyPr wrap="none" rtlCol="0">
-            <a:spAutoFit/>
-          </a:bodyPr>
-          <a:lstStyle/>
-          <a:p>
-            <a:r>
-              <a:rPr lang="en-US" dirty="0" smtClean="0"/>
-              <a:t>Need to clearly explain the threshold dynamics</a:t>
-            </a:r>
-            <a:endParaRPr lang="en-US" dirty="0"/>
-          </a:p>
-        </p:txBody>
-      </p:sp>
     </p:spTree>
     <p:extLst>
       <p:ext uri="{BB962C8B-B14F-4D97-AF65-F5344CB8AC3E}">
@@ -10981,7 +10853,7 @@
 </p:sld>
 </file>
 
-<file path=ppt/slides/slide4.xml><?xml version="1.0" encoding="utf-8"?>
+<file path=ppt/slides/slide5.xml><?xml version="1.0" encoding="utf-8"?>
 <p:sld xmlns:a="http://schemas.openxmlformats.org/drawingml/2006/main" xmlns:r="http://schemas.openxmlformats.org/officeDocument/2006/relationships" xmlns:p="http://schemas.openxmlformats.org/presentationml/2006/main">
   <p:cSld>
     <p:spTree>
@@ -11143,7 +11015,7 @@
 </p:sld>
 </file>
 
-<file path=ppt/slides/slide5.xml><?xml version="1.0" encoding="utf-8"?>
+<file path=ppt/slides/slide6.xml><?xml version="1.0" encoding="utf-8"?>
 <p:sld xmlns:a="http://schemas.openxmlformats.org/drawingml/2006/main" xmlns:r="http://schemas.openxmlformats.org/officeDocument/2006/relationships" xmlns:p="http://schemas.openxmlformats.org/presentationml/2006/main">
   <p:cSld>
     <p:spTree>
@@ -11295,85 +11167,6 @@
     <p:extLst>
       <p:ext uri="{BB962C8B-B14F-4D97-AF65-F5344CB8AC3E}">
         <p14:creationId xmlns:p14="http://schemas.microsoft.com/office/powerpoint/2010/main" val="3427158961"/>
-      </p:ext>
-    </p:extLst>
-  </p:cSld>
-  <p:clrMapOvr>
-    <a:masterClrMapping/>
-  </p:clrMapOvr>
-</p:sld>
-</file>
-
-<file path=ppt/slides/slide6.xml><?xml version="1.0" encoding="utf-8"?>
-<p:sld xmlns:a="http://schemas.openxmlformats.org/drawingml/2006/main" xmlns:r="http://schemas.openxmlformats.org/officeDocument/2006/relationships" xmlns:p="http://schemas.openxmlformats.org/presentationml/2006/main">
-  <p:cSld>
-    <p:spTree>
-      <p:nvGrpSpPr>
-        <p:cNvPr id="1" name=""/>
-        <p:cNvGrpSpPr/>
-        <p:nvPr/>
-      </p:nvGrpSpPr>
-      <p:grpSpPr>
-        <a:xfrm>
-          <a:off x="0" y="0"/>
-          <a:ext cx="0" cy="0"/>
-          <a:chOff x="0" y="0"/>
-          <a:chExt cx="0" cy="0"/>
-        </a:xfrm>
-      </p:grpSpPr>
-      <p:sp>
-        <p:nvSpPr>
-          <p:cNvPr id="2" name="Title 1"/>
-          <p:cNvSpPr>
-            <a:spLocks noGrp="1"/>
-          </p:cNvSpPr>
-          <p:nvPr>
-            <p:ph type="title"/>
-          </p:nvPr>
-        </p:nvSpPr>
-        <p:spPr/>
-        <p:txBody>
-          <a:bodyPr/>
-          <a:lstStyle/>
-          <a:p>
-            <a:endParaRPr lang="en-US"/>
-          </a:p>
-        </p:txBody>
-      </p:sp>
-      <p:pic>
-        <p:nvPicPr>
-          <p:cNvPr id="5" name="Picture 4" descr="figcomparison_highres.png"/>
-          <p:cNvPicPr>
-            <a:picLocks noChangeAspect="1"/>
-          </p:cNvPicPr>
-          <p:nvPr/>
-        </p:nvPicPr>
-        <p:blipFill>
-          <a:blip r:embed="rId2" cstate="print">
-            <a:extLst>
-              <a:ext uri="{28A0092B-C50C-407E-A947-70E740481C1C}">
-                <a14:useLocalDpi xmlns:a14="http://schemas.microsoft.com/office/drawing/2010/main" val="0"/>
-              </a:ext>
-            </a:extLst>
-          </a:blip>
-          <a:stretch>
-            <a:fillRect/>
-          </a:stretch>
-        </p:blipFill>
-        <p:spPr>
-          <a:xfrm>
-            <a:off x="2037904" y="2126320"/>
-            <a:ext cx="10966896" cy="6134856"/>
-          </a:xfrm>
-          <a:prstGeom prst="rect">
-            <a:avLst/>
-          </a:prstGeom>
-        </p:spPr>
-      </p:pic>
-    </p:spTree>
-    <p:extLst>
-      <p:ext uri="{BB962C8B-B14F-4D97-AF65-F5344CB8AC3E}">
-        <p14:creationId xmlns:p14="http://schemas.microsoft.com/office/powerpoint/2010/main" val="4027299908"/>
       </p:ext>
     </p:extLst>
   </p:cSld>
@@ -11422,24 +11215,20 @@
           <a:bodyPr/>
           <a:lstStyle/>
           <a:p>
-            <a:r>
-              <a:rPr lang="en-US" dirty="0" smtClean="0"/>
-              <a:t>Deep Uncertainty</a:t>
-            </a:r>
-            <a:endParaRPr lang="en-US" dirty="0"/>
+            <a:endParaRPr lang="en-US"/>
           </a:p>
         </p:txBody>
       </p:sp>
       <p:pic>
         <p:nvPicPr>
-          <p:cNvPr id="4" name="Picture 3" descr="lake_problem.jpg"/>
+          <p:cNvPr id="5" name="Picture 4" descr="figcomparison_highres.png"/>
           <p:cNvPicPr>
             <a:picLocks noChangeAspect="1"/>
           </p:cNvPicPr>
           <p:nvPr/>
         </p:nvPicPr>
         <p:blipFill>
-          <a:blip r:embed="rId2">
+          <a:blip r:embed="rId2" cstate="print">
             <a:extLst>
               <a:ext uri="{28A0092B-C50C-407E-A947-70E740481C1C}">
                 <a14:useLocalDpi xmlns:a14="http://schemas.microsoft.com/office/drawing/2010/main" val="0"/>
@@ -11452,251 +11241,18 @@
         </p:blipFill>
         <p:spPr>
           <a:xfrm>
-            <a:off x="2485020" y="2572544"/>
-            <a:ext cx="9489988" cy="4345136"/>
+            <a:off x="2037904" y="2126320"/>
+            <a:ext cx="10966896" cy="6134856"/>
           </a:xfrm>
           <a:prstGeom prst="rect">
             <a:avLst/>
           </a:prstGeom>
         </p:spPr>
       </p:pic>
-      <p:sp>
-        <p:nvSpPr>
-          <p:cNvPr id="5" name="Rounded Rectangular Callout 4"/>
-          <p:cNvSpPr/>
-          <p:nvPr/>
-        </p:nvSpPr>
-        <p:spPr bwMode="auto">
-          <a:xfrm>
-            <a:off x="6790432" y="2284512"/>
-            <a:ext cx="3960440" cy="1368152"/>
-          </a:xfrm>
-          <a:prstGeom prst="wedgeRoundRectCallout">
-            <a:avLst>
-              <a:gd name="adj1" fmla="val -20833"/>
-              <a:gd name="adj2" fmla="val 75393"/>
-              <a:gd name="adj3" fmla="val 16667"/>
-            </a:avLst>
-          </a:prstGeom>
-          <a:solidFill>
-            <a:schemeClr val="bg2"/>
-          </a:solidFill>
-          <a:ln w="9525" cap="flat" cmpd="sng" algn="ctr">
-            <a:noFill/>
-            <a:prstDash val="solid"/>
-            <a:round/>
-            <a:headEnd type="none" w="med" len="med"/>
-            <a:tailEnd type="none" w="med" len="med"/>
-          </a:ln>
-          <a:effectLst/>
-        </p:spPr>
-        <p:txBody>
-          <a:bodyPr vert="horz" wrap="square" lIns="91440" tIns="45720" rIns="91440" bIns="45720" numCol="1" rtlCol="0" anchor="t" anchorCtr="0" compatLnSpc="1">
-            <a:prstTxWarp prst="textNoShape">
-              <a:avLst/>
-            </a:prstTxWarp>
-          </a:bodyPr>
-          <a:lstStyle/>
-          <a:p>
-            <a:pPr marL="0" marR="0" indent="0" algn="ctr" defTabSz="914400" rtl="0" eaLnBrk="0" fontAlgn="base" latinLnBrk="0" hangingPunct="0">
-              <a:lnSpc>
-                <a:spcPct val="100000"/>
-              </a:lnSpc>
-              <a:spcBef>
-                <a:spcPct val="0"/>
-              </a:spcBef>
-              <a:spcAft>
-                <a:spcPct val="0"/>
-              </a:spcAft>
-              <a:buClrTx/>
-              <a:buSzTx/>
-              <a:buFontTx/>
-              <a:buNone/>
-              <a:tabLst/>
-            </a:pPr>
-            <a:r>
-              <a:rPr kumimoji="0" lang="en-US" sz="2400" b="0" i="0" u="none" strike="noStrike" cap="none" normalizeH="0" baseline="0" dirty="0" smtClean="0">
-                <a:ln>
-                  <a:noFill/>
-                </a:ln>
-                <a:solidFill>
-                  <a:schemeClr val="bg1"/>
-                </a:solidFill>
-                <a:latin typeface="Arial" charset="0"/>
-                <a:ea typeface="ＭＳ Ｐゴシック" pitchFamily="1" charset="-128"/>
-              </a:rPr>
-              <a:t>Do we know</a:t>
-            </a:r>
-            <a:r>
-              <a:rPr kumimoji="0" lang="en-US" sz="2400" b="0" i="0" u="none" strike="noStrike" cap="none" normalizeH="0" dirty="0" smtClean="0">
-                <a:ln>
-                  <a:noFill/>
-                </a:ln>
-                <a:solidFill>
-                  <a:schemeClr val="bg1"/>
-                </a:solidFill>
-                <a:latin typeface="Arial" charset="0"/>
-                <a:ea typeface="ＭＳ Ｐゴシック" pitchFamily="1" charset="-128"/>
-              </a:rPr>
-              <a:t> the correct parameterization for the natural inflow?</a:t>
-            </a:r>
-            <a:endParaRPr kumimoji="0" lang="en-US" sz="2400" b="0" i="0" u="none" strike="noStrike" cap="none" normalizeH="0" baseline="0" dirty="0" smtClean="0">
-              <a:ln>
-                <a:noFill/>
-              </a:ln>
-              <a:solidFill>
-                <a:schemeClr val="bg1"/>
-              </a:solidFill>
-              <a:latin typeface="Arial" charset="0"/>
-              <a:ea typeface="ＭＳ Ｐゴシック" pitchFamily="1" charset="-128"/>
-            </a:endParaRPr>
-          </a:p>
-        </p:txBody>
-      </p:sp>
-      <p:sp>
-        <p:nvSpPr>
-          <p:cNvPr id="6" name="Rounded Rectangular Callout 5"/>
-          <p:cNvSpPr/>
-          <p:nvPr/>
-        </p:nvSpPr>
-        <p:spPr bwMode="auto">
-          <a:xfrm>
-            <a:off x="10390832" y="3796680"/>
-            <a:ext cx="2304256" cy="1008112"/>
-          </a:xfrm>
-          <a:prstGeom prst="wedgeRoundRectCallout">
-            <a:avLst>
-              <a:gd name="adj1" fmla="val -26635"/>
-              <a:gd name="adj2" fmla="val 69131"/>
-              <a:gd name="adj3" fmla="val 16667"/>
-            </a:avLst>
-          </a:prstGeom>
-          <a:solidFill>
-            <a:schemeClr val="bg2"/>
-          </a:solidFill>
-          <a:ln w="9525" cap="flat" cmpd="sng" algn="ctr">
-            <a:noFill/>
-            <a:prstDash val="solid"/>
-            <a:round/>
-            <a:headEnd type="none" w="med" len="med"/>
-            <a:tailEnd type="none" w="med" len="med"/>
-          </a:ln>
-          <a:effectLst/>
-        </p:spPr>
-        <p:txBody>
-          <a:bodyPr vert="horz" wrap="square" lIns="91440" tIns="45720" rIns="91440" bIns="45720" numCol="1" rtlCol="0" anchor="t" anchorCtr="0" compatLnSpc="1">
-            <a:prstTxWarp prst="textNoShape">
-              <a:avLst/>
-            </a:prstTxWarp>
-          </a:bodyPr>
-          <a:lstStyle/>
-          <a:p>
-            <a:pPr marL="0" marR="0" indent="0" algn="ctr" defTabSz="914400" rtl="0" eaLnBrk="0" fontAlgn="base" latinLnBrk="0" hangingPunct="0">
-              <a:lnSpc>
-                <a:spcPct val="100000"/>
-              </a:lnSpc>
-              <a:spcBef>
-                <a:spcPct val="0"/>
-              </a:spcBef>
-              <a:spcAft>
-                <a:spcPct val="0"/>
-              </a:spcAft>
-              <a:buClrTx/>
-              <a:buSzTx/>
-              <a:buFontTx/>
-              <a:buNone/>
-              <a:tabLst/>
-            </a:pPr>
-            <a:r>
-              <a:rPr kumimoji="0" lang="en-US" sz="2400" b="0" i="0" u="none" strike="noStrike" cap="none" normalizeH="0" baseline="0" dirty="0" smtClean="0">
-                <a:ln>
-                  <a:noFill/>
-                </a:ln>
-                <a:solidFill>
-                  <a:schemeClr val="bg1"/>
-                </a:solidFill>
-                <a:latin typeface="Arial" charset="0"/>
-                <a:ea typeface="ＭＳ Ｐゴシック" pitchFamily="1" charset="-128"/>
-              </a:rPr>
-              <a:t>Do we know this exactly?</a:t>
-            </a:r>
-          </a:p>
-        </p:txBody>
-      </p:sp>
-      <p:sp>
-        <p:nvSpPr>
-          <p:cNvPr id="7" name="Rounded Rectangular Callout 6"/>
-          <p:cNvSpPr/>
-          <p:nvPr/>
-        </p:nvSpPr>
-        <p:spPr bwMode="auto">
-          <a:xfrm>
-            <a:off x="4702200" y="7181056"/>
-            <a:ext cx="3096344" cy="1080120"/>
-          </a:xfrm>
-          <a:prstGeom prst="wedgeRoundRectCallout">
-            <a:avLst>
-              <a:gd name="adj1" fmla="val -1402"/>
-              <a:gd name="adj2" fmla="val -78425"/>
-              <a:gd name="adj3" fmla="val 16667"/>
-            </a:avLst>
-          </a:prstGeom>
-          <a:solidFill>
-            <a:schemeClr val="bg2"/>
-          </a:solidFill>
-          <a:ln w="9525" cap="flat" cmpd="sng" algn="ctr">
-            <a:noFill/>
-            <a:prstDash val="solid"/>
-            <a:round/>
-            <a:headEnd type="none" w="med" len="med"/>
-            <a:tailEnd type="none" w="med" len="med"/>
-          </a:ln>
-          <a:effectLst/>
-        </p:spPr>
-        <p:txBody>
-          <a:bodyPr vert="horz" wrap="square" lIns="91440" tIns="45720" rIns="91440" bIns="45720" numCol="1" rtlCol="0" anchor="t" anchorCtr="0" compatLnSpc="1">
-            <a:prstTxWarp prst="textNoShape">
-              <a:avLst/>
-            </a:prstTxWarp>
-          </a:bodyPr>
-          <a:lstStyle/>
-          <a:p>
-            <a:pPr marL="0" marR="0" indent="0" algn="ctr" defTabSz="914400" rtl="0" eaLnBrk="0" fontAlgn="base" latinLnBrk="0" hangingPunct="0">
-              <a:lnSpc>
-                <a:spcPct val="100000"/>
-              </a:lnSpc>
-              <a:spcBef>
-                <a:spcPct val="0"/>
-              </a:spcBef>
-              <a:spcAft>
-                <a:spcPct val="0"/>
-              </a:spcAft>
-              <a:buClrTx/>
-              <a:buSzTx/>
-              <a:buFontTx/>
-              <a:buNone/>
-              <a:tabLst/>
-            </a:pPr>
-            <a:r>
-              <a:rPr kumimoji="0" lang="en-US" sz="2400" b="0" i="0" u="none" strike="noStrike" cap="none" normalizeH="0" baseline="0" dirty="0" smtClean="0">
-                <a:ln>
-                  <a:noFill/>
-                </a:ln>
-                <a:solidFill>
-                  <a:schemeClr val="bg1"/>
-                </a:solidFill>
-                <a:latin typeface="Arial" charset="0"/>
-                <a:ea typeface="ＭＳ Ｐゴシック" pitchFamily="1" charset="-128"/>
-              </a:rPr>
-              <a:t>How to discount this over time?</a:t>
-            </a:r>
-          </a:p>
-        </p:txBody>
-      </p:sp>
     </p:spTree>
     <p:extLst>
       <p:ext uri="{BB962C8B-B14F-4D97-AF65-F5344CB8AC3E}">
-        <p14:creationId xmlns:p14="http://schemas.microsoft.com/office/powerpoint/2010/main" val="160830068"/>
+        <p14:creationId xmlns:p14="http://schemas.microsoft.com/office/powerpoint/2010/main" val="4027299908"/>
       </p:ext>
     </p:extLst>
   </p:cSld>
@@ -11745,6 +11301,329 @@
           <a:bodyPr/>
           <a:lstStyle/>
           <a:p>
+            <a:r>
+              <a:rPr lang="en-US" dirty="0" smtClean="0"/>
+              <a:t>Deep Uncertainty</a:t>
+            </a:r>
+            <a:endParaRPr lang="en-US" dirty="0"/>
+          </a:p>
+        </p:txBody>
+      </p:sp>
+      <p:pic>
+        <p:nvPicPr>
+          <p:cNvPr id="4" name="Picture 3" descr="lake_problem.jpg"/>
+          <p:cNvPicPr>
+            <a:picLocks noChangeAspect="1"/>
+          </p:cNvPicPr>
+          <p:nvPr/>
+        </p:nvPicPr>
+        <p:blipFill>
+          <a:blip r:embed="rId2">
+            <a:extLst>
+              <a:ext uri="{28A0092B-C50C-407E-A947-70E740481C1C}">
+                <a14:useLocalDpi xmlns:a14="http://schemas.microsoft.com/office/drawing/2010/main" val="0"/>
+              </a:ext>
+            </a:extLst>
+          </a:blip>
+          <a:stretch>
+            <a:fillRect/>
+          </a:stretch>
+        </p:blipFill>
+        <p:spPr>
+          <a:xfrm>
+            <a:off x="2485020" y="2572544"/>
+            <a:ext cx="9489988" cy="4345136"/>
+          </a:xfrm>
+          <a:prstGeom prst="rect">
+            <a:avLst/>
+          </a:prstGeom>
+        </p:spPr>
+      </p:pic>
+      <p:sp>
+        <p:nvSpPr>
+          <p:cNvPr id="5" name="Rounded Rectangular Callout 4"/>
+          <p:cNvSpPr/>
+          <p:nvPr/>
+        </p:nvSpPr>
+        <p:spPr bwMode="auto">
+          <a:xfrm>
+            <a:off x="6790432" y="2284512"/>
+            <a:ext cx="3960440" cy="1368152"/>
+          </a:xfrm>
+          <a:prstGeom prst="wedgeRoundRectCallout">
+            <a:avLst>
+              <a:gd name="adj1" fmla="val -20833"/>
+              <a:gd name="adj2" fmla="val 75393"/>
+              <a:gd name="adj3" fmla="val 16667"/>
+            </a:avLst>
+          </a:prstGeom>
+          <a:solidFill>
+            <a:schemeClr val="bg2"/>
+          </a:solidFill>
+          <a:ln w="9525" cap="flat" cmpd="sng" algn="ctr">
+            <a:noFill/>
+            <a:prstDash val="solid"/>
+            <a:round/>
+            <a:headEnd type="none" w="med" len="med"/>
+            <a:tailEnd type="none" w="med" len="med"/>
+          </a:ln>
+          <a:effectLst/>
+        </p:spPr>
+        <p:txBody>
+          <a:bodyPr vert="horz" wrap="square" lIns="91440" tIns="45720" rIns="91440" bIns="45720" numCol="1" rtlCol="0" anchor="t" anchorCtr="0" compatLnSpc="1">
+            <a:prstTxWarp prst="textNoShape">
+              <a:avLst/>
+            </a:prstTxWarp>
+          </a:bodyPr>
+          <a:lstStyle/>
+          <a:p>
+            <a:pPr marL="0" marR="0" indent="0" algn="ctr" defTabSz="914400" rtl="0" eaLnBrk="0" fontAlgn="base" latinLnBrk="0" hangingPunct="0">
+              <a:lnSpc>
+                <a:spcPct val="100000"/>
+              </a:lnSpc>
+              <a:spcBef>
+                <a:spcPct val="0"/>
+              </a:spcBef>
+              <a:spcAft>
+                <a:spcPct val="0"/>
+              </a:spcAft>
+              <a:buClrTx/>
+              <a:buSzTx/>
+              <a:buFontTx/>
+              <a:buNone/>
+              <a:tabLst/>
+            </a:pPr>
+            <a:r>
+              <a:rPr kumimoji="0" lang="en-US" sz="2400" b="0" i="0" u="none" strike="noStrike" cap="none" normalizeH="0" baseline="0" dirty="0" smtClean="0">
+                <a:ln>
+                  <a:noFill/>
+                </a:ln>
+                <a:solidFill>
+                  <a:schemeClr val="bg1"/>
+                </a:solidFill>
+                <a:latin typeface="Arial" charset="0"/>
+                <a:ea typeface="ＭＳ Ｐゴシック" pitchFamily="1" charset="-128"/>
+              </a:rPr>
+              <a:t>Do we know</a:t>
+            </a:r>
+            <a:r>
+              <a:rPr kumimoji="0" lang="en-US" sz="2400" b="0" i="0" u="none" strike="noStrike" cap="none" normalizeH="0" dirty="0" smtClean="0">
+                <a:ln>
+                  <a:noFill/>
+                </a:ln>
+                <a:solidFill>
+                  <a:schemeClr val="bg1"/>
+                </a:solidFill>
+                <a:latin typeface="Arial" charset="0"/>
+                <a:ea typeface="ＭＳ Ｐゴシック" pitchFamily="1" charset="-128"/>
+              </a:rPr>
+              <a:t> the correct parameterization for the natural inflow?</a:t>
+            </a:r>
+            <a:endParaRPr kumimoji="0" lang="en-US" sz="2400" b="0" i="0" u="none" strike="noStrike" cap="none" normalizeH="0" baseline="0" dirty="0" smtClean="0">
+              <a:ln>
+                <a:noFill/>
+              </a:ln>
+              <a:solidFill>
+                <a:schemeClr val="bg1"/>
+              </a:solidFill>
+              <a:latin typeface="Arial" charset="0"/>
+              <a:ea typeface="ＭＳ Ｐゴシック" pitchFamily="1" charset="-128"/>
+            </a:endParaRPr>
+          </a:p>
+        </p:txBody>
+      </p:sp>
+      <p:sp>
+        <p:nvSpPr>
+          <p:cNvPr id="6" name="Rounded Rectangular Callout 5"/>
+          <p:cNvSpPr/>
+          <p:nvPr/>
+        </p:nvSpPr>
+        <p:spPr bwMode="auto">
+          <a:xfrm>
+            <a:off x="10390832" y="3796680"/>
+            <a:ext cx="2304256" cy="1008112"/>
+          </a:xfrm>
+          <a:prstGeom prst="wedgeRoundRectCallout">
+            <a:avLst>
+              <a:gd name="adj1" fmla="val -26635"/>
+              <a:gd name="adj2" fmla="val 69131"/>
+              <a:gd name="adj3" fmla="val 16667"/>
+            </a:avLst>
+          </a:prstGeom>
+          <a:solidFill>
+            <a:schemeClr val="bg2"/>
+          </a:solidFill>
+          <a:ln w="9525" cap="flat" cmpd="sng" algn="ctr">
+            <a:noFill/>
+            <a:prstDash val="solid"/>
+            <a:round/>
+            <a:headEnd type="none" w="med" len="med"/>
+            <a:tailEnd type="none" w="med" len="med"/>
+          </a:ln>
+          <a:effectLst/>
+        </p:spPr>
+        <p:txBody>
+          <a:bodyPr vert="horz" wrap="square" lIns="91440" tIns="45720" rIns="91440" bIns="45720" numCol="1" rtlCol="0" anchor="t" anchorCtr="0" compatLnSpc="1">
+            <a:prstTxWarp prst="textNoShape">
+              <a:avLst/>
+            </a:prstTxWarp>
+          </a:bodyPr>
+          <a:lstStyle/>
+          <a:p>
+            <a:pPr marL="0" marR="0" indent="0" algn="ctr" defTabSz="914400" rtl="0" eaLnBrk="0" fontAlgn="base" latinLnBrk="0" hangingPunct="0">
+              <a:lnSpc>
+                <a:spcPct val="100000"/>
+              </a:lnSpc>
+              <a:spcBef>
+                <a:spcPct val="0"/>
+              </a:spcBef>
+              <a:spcAft>
+                <a:spcPct val="0"/>
+              </a:spcAft>
+              <a:buClrTx/>
+              <a:buSzTx/>
+              <a:buFontTx/>
+              <a:buNone/>
+              <a:tabLst/>
+            </a:pPr>
+            <a:r>
+              <a:rPr kumimoji="0" lang="en-US" sz="2400" b="0" i="0" u="none" strike="noStrike" cap="none" normalizeH="0" baseline="0" dirty="0" smtClean="0">
+                <a:ln>
+                  <a:noFill/>
+                </a:ln>
+                <a:solidFill>
+                  <a:schemeClr val="bg1"/>
+                </a:solidFill>
+                <a:latin typeface="Arial" charset="0"/>
+                <a:ea typeface="ＭＳ Ｐゴシック" pitchFamily="1" charset="-128"/>
+              </a:rPr>
+              <a:t>Do we know this exactly?</a:t>
+            </a:r>
+          </a:p>
+        </p:txBody>
+      </p:sp>
+      <p:sp>
+        <p:nvSpPr>
+          <p:cNvPr id="7" name="Rounded Rectangular Callout 6"/>
+          <p:cNvSpPr/>
+          <p:nvPr/>
+        </p:nvSpPr>
+        <p:spPr bwMode="auto">
+          <a:xfrm>
+            <a:off x="4702200" y="7181056"/>
+            <a:ext cx="3096344" cy="1080120"/>
+          </a:xfrm>
+          <a:prstGeom prst="wedgeRoundRectCallout">
+            <a:avLst>
+              <a:gd name="adj1" fmla="val -1402"/>
+              <a:gd name="adj2" fmla="val -78425"/>
+              <a:gd name="adj3" fmla="val 16667"/>
+            </a:avLst>
+          </a:prstGeom>
+          <a:solidFill>
+            <a:schemeClr val="bg2"/>
+          </a:solidFill>
+          <a:ln w="9525" cap="flat" cmpd="sng" algn="ctr">
+            <a:noFill/>
+            <a:prstDash val="solid"/>
+            <a:round/>
+            <a:headEnd type="none" w="med" len="med"/>
+            <a:tailEnd type="none" w="med" len="med"/>
+          </a:ln>
+          <a:effectLst/>
+        </p:spPr>
+        <p:txBody>
+          <a:bodyPr vert="horz" wrap="square" lIns="91440" tIns="45720" rIns="91440" bIns="45720" numCol="1" rtlCol="0" anchor="t" anchorCtr="0" compatLnSpc="1">
+            <a:prstTxWarp prst="textNoShape">
+              <a:avLst/>
+            </a:prstTxWarp>
+          </a:bodyPr>
+          <a:lstStyle/>
+          <a:p>
+            <a:pPr marL="0" marR="0" indent="0" algn="ctr" defTabSz="914400" rtl="0" eaLnBrk="0" fontAlgn="base" latinLnBrk="0" hangingPunct="0">
+              <a:lnSpc>
+                <a:spcPct val="100000"/>
+              </a:lnSpc>
+              <a:spcBef>
+                <a:spcPct val="0"/>
+              </a:spcBef>
+              <a:spcAft>
+                <a:spcPct val="0"/>
+              </a:spcAft>
+              <a:buClrTx/>
+              <a:buSzTx/>
+              <a:buFontTx/>
+              <a:buNone/>
+              <a:tabLst/>
+            </a:pPr>
+            <a:r>
+              <a:rPr kumimoji="0" lang="en-US" sz="2400" b="0" i="0" u="none" strike="noStrike" cap="none" normalizeH="0" baseline="0" dirty="0" smtClean="0">
+                <a:ln>
+                  <a:noFill/>
+                </a:ln>
+                <a:solidFill>
+                  <a:schemeClr val="bg1"/>
+                </a:solidFill>
+                <a:latin typeface="Arial" charset="0"/>
+                <a:ea typeface="ＭＳ Ｐゴシック" pitchFamily="1" charset="-128"/>
+              </a:rPr>
+              <a:t>How to discount this over time?</a:t>
+            </a:r>
+          </a:p>
+        </p:txBody>
+      </p:sp>
+    </p:spTree>
+    <p:extLst>
+      <p:ext uri="{BB962C8B-B14F-4D97-AF65-F5344CB8AC3E}">
+        <p14:creationId xmlns:p14="http://schemas.microsoft.com/office/powerpoint/2010/main" val="160830068"/>
+      </p:ext>
+    </p:extLst>
+  </p:cSld>
+  <p:clrMapOvr>
+    <a:masterClrMapping/>
+  </p:clrMapOvr>
+  <p:timing>
+    <p:tnLst>
+      <p:par>
+        <p:cTn xmlns:p14="http://schemas.microsoft.com/office/powerpoint/2010/main" id="1" dur="indefinite" restart="never" nodeType="tmRoot"/>
+      </p:par>
+    </p:tnLst>
+  </p:timing>
+</p:sld>
+</file>
+
+<file path=ppt/slides/slide9.xml><?xml version="1.0" encoding="utf-8"?>
+<p:sld xmlns:a="http://schemas.openxmlformats.org/drawingml/2006/main" xmlns:r="http://schemas.openxmlformats.org/officeDocument/2006/relationships" xmlns:p="http://schemas.openxmlformats.org/presentationml/2006/main">
+  <p:cSld>
+    <p:spTree>
+      <p:nvGrpSpPr>
+        <p:cNvPr id="1" name=""/>
+        <p:cNvGrpSpPr/>
+        <p:nvPr/>
+      </p:nvGrpSpPr>
+      <p:grpSpPr>
+        <a:xfrm>
+          <a:off x="0" y="0"/>
+          <a:ext cx="0" cy="0"/>
+          <a:chOff x="0" y="0"/>
+          <a:chExt cx="0" cy="0"/>
+        </a:xfrm>
+      </p:grpSpPr>
+      <p:sp>
+        <p:nvSpPr>
+          <p:cNvPr id="2" name="Title 1"/>
+          <p:cNvSpPr>
+            <a:spLocks noGrp="1"/>
+          </p:cNvSpPr>
+          <p:nvPr>
+            <p:ph type="title"/>
+          </p:nvPr>
+        </p:nvSpPr>
+        <p:spPr/>
+        <p:txBody>
+          <a:bodyPr/>
+          <a:lstStyle/>
+          <a:p>
             <a:pPr marL="1216025" indent="-1216025"/>
             <a:r>
               <a:rPr lang="en-US" dirty="0" smtClean="0"/>
@@ -11794,108 +11673,13 @@
   <p:clrMapOvr>
     <a:masterClrMapping/>
   </p:clrMapOvr>
-</p:sld>
-</file>
-
-<file path=ppt/slides/slide9.xml><?xml version="1.0" encoding="utf-8"?>
-<p:sld xmlns:a="http://schemas.openxmlformats.org/drawingml/2006/main" xmlns:r="http://schemas.openxmlformats.org/officeDocument/2006/relationships" xmlns:p="http://schemas.openxmlformats.org/presentationml/2006/main">
-  <p:cSld>
-    <p:spTree>
-      <p:nvGrpSpPr>
-        <p:cNvPr id="1" name=""/>
-        <p:cNvGrpSpPr/>
-        <p:nvPr/>
-      </p:nvGrpSpPr>
-      <p:grpSpPr>
-        <a:xfrm>
-          <a:off x="0" y="0"/>
-          <a:ext cx="0" cy="0"/>
-          <a:chOff x="0" y="0"/>
-          <a:chExt cx="0" cy="0"/>
-        </a:xfrm>
-      </p:grpSpPr>
-      <p:sp>
-        <p:nvSpPr>
-          <p:cNvPr id="2" name="Title 1"/>
-          <p:cNvSpPr>
-            <a:spLocks noGrp="1"/>
-          </p:cNvSpPr>
-          <p:nvPr>
-            <p:ph type="title"/>
-          </p:nvPr>
-        </p:nvSpPr>
-        <p:spPr/>
-        <p:txBody>
-          <a:bodyPr/>
-          <a:lstStyle/>
-          <a:p>
-            <a:endParaRPr lang="en-US"/>
-          </a:p>
-        </p:txBody>
-      </p:sp>
-      <p:sp>
-        <p:nvSpPr>
-          <p:cNvPr id="3" name="Content Placeholder 2"/>
-          <p:cNvSpPr>
-            <a:spLocks noGrp="1"/>
-          </p:cNvSpPr>
-          <p:nvPr>
-            <p:ph idx="1"/>
-          </p:nvPr>
-        </p:nvSpPr>
-        <p:spPr/>
-        <p:txBody>
-          <a:bodyPr/>
-          <a:lstStyle/>
-          <a:p>
-            <a:r>
-              <a:rPr lang="en-US" dirty="0" smtClean="0"/>
-              <a:t>How to address deep uncertainty</a:t>
-            </a:r>
-          </a:p>
-          <a:p>
-            <a:pPr marL="457200" indent="-457200">
-              <a:buFont typeface="Arial"/>
-              <a:buChar char="•"/>
-            </a:pPr>
-            <a:r>
-              <a:rPr lang="en-US" dirty="0" smtClean="0"/>
-              <a:t>Search for several carefully selected scenarios</a:t>
-            </a:r>
-          </a:p>
-          <a:p>
-            <a:pPr marL="457200" indent="-457200">
-              <a:buFont typeface="Arial"/>
-              <a:buChar char="•"/>
-            </a:pPr>
-            <a:r>
-              <a:rPr lang="en-US" dirty="0" smtClean="0"/>
-              <a:t>Robust optimization</a:t>
-            </a:r>
-          </a:p>
-          <a:p>
-            <a:pPr marL="457200" indent="-457200">
-              <a:buFont typeface="Arial"/>
-              <a:buChar char="•"/>
-            </a:pPr>
-            <a:r>
-              <a:rPr lang="en-US" dirty="0" smtClean="0"/>
-              <a:t>(Iterative refinement using scenario discovery)</a:t>
-            </a:r>
-            <a:endParaRPr lang="en-US" dirty="0"/>
-          </a:p>
-        </p:txBody>
-      </p:sp>
-    </p:spTree>
-    <p:extLst>
-      <p:ext uri="{BB962C8B-B14F-4D97-AF65-F5344CB8AC3E}">
-        <p14:creationId xmlns:p14="http://schemas.microsoft.com/office/powerpoint/2010/main" val="4083602984"/>
-      </p:ext>
-    </p:extLst>
-  </p:cSld>
-  <p:clrMapOvr>
-    <a:masterClrMapping/>
-  </p:clrMapOvr>
+  <p:timing>
+    <p:tnLst>
+      <p:par>
+        <p:cTn xmlns:p14="http://schemas.microsoft.com/office/powerpoint/2010/main" id="1" dur="indefinite" restart="never" nodeType="tmRoot"/>
+      </p:par>
+    </p:tnLst>
+  </p:timing>
 </p:sld>
 </file>
 

--- a/draft resilience17.pptx
+++ b/draft resilience17.pptx
@@ -7,24 +7,23 @@
     <p:sldMasterId id="2147484023" r:id="rId3"/>
   </p:sldMasterIdLst>
   <p:notesMasterIdLst>
-    <p:notesMasterId r:id="rId16"/>
+    <p:notesMasterId r:id="rId15"/>
   </p:notesMasterIdLst>
   <p:handoutMasterIdLst>
-    <p:handoutMasterId r:id="rId17"/>
+    <p:handoutMasterId r:id="rId16"/>
   </p:handoutMasterIdLst>
   <p:sldIdLst>
     <p:sldId id="384" r:id="rId4"/>
     <p:sldId id="404" r:id="rId5"/>
-    <p:sldId id="412" r:id="rId6"/>
-    <p:sldId id="403" r:id="rId7"/>
-    <p:sldId id="406" r:id="rId8"/>
-    <p:sldId id="409" r:id="rId9"/>
-    <p:sldId id="402" r:id="rId10"/>
-    <p:sldId id="405" r:id="rId11"/>
-    <p:sldId id="407" r:id="rId12"/>
-    <p:sldId id="410" r:id="rId13"/>
-    <p:sldId id="411" r:id="rId14"/>
-    <p:sldId id="413" r:id="rId15"/>
+    <p:sldId id="403" r:id="rId6"/>
+    <p:sldId id="406" r:id="rId7"/>
+    <p:sldId id="418" r:id="rId8"/>
+    <p:sldId id="402" r:id="rId9"/>
+    <p:sldId id="405" r:id="rId10"/>
+    <p:sldId id="407" r:id="rId11"/>
+    <p:sldId id="414" r:id="rId12"/>
+    <p:sldId id="416" r:id="rId13"/>
+    <p:sldId id="413" r:id="rId14"/>
   </p:sldIdLst>
   <p:sldSz cx="13004800" cy="9753600"/>
   <p:notesSz cx="6794500" cy="9931400"/>
@@ -164,7 +163,7 @@
   </p:defaultTextStyle>
   <p:extLst>
     <p:ext uri="{EFAFB233-063F-42B5-8137-9DF3F51BA10A}">
-      <p15:sldGuideLst xmlns:p15="http://schemas.microsoft.com/office/powerpoint/2012/main" xmlns="">
+      <p15:sldGuideLst xmlns="" xmlns:p15="http://schemas.microsoft.com/office/powerpoint/2012/main">
         <p15:guide id="1" orient="horz" pos="3072">
           <p15:clr>
             <a:srgbClr val="A4A3A4"/>
@@ -281,7 +280,7 @@
             <a:fld id="{9372FD76-EB9F-764F-8F27-36E8BD5ED777}" type="datetimeFigureOut">
               <a:rPr lang="nl-NL"/>
               <a:pPr/>
-              <a:t>20/08/17</a:t>
+              <a:t>22/08/17</a:t>
             </a:fld>
             <a:endParaRPr lang="nl-NL"/>
           </a:p>
@@ -477,7 +476,7 @@
             <a:fld id="{A801D9F9-3769-E54C-B9DD-B0DA30EEDA23}" type="datetimeFigureOut">
               <a:rPr lang="nl-NL"/>
               <a:pPr/>
-              <a:t>20/08/17</a:t>
+              <a:t>22/08/17</a:t>
             </a:fld>
             <a:endParaRPr lang="nl-NL"/>
           </a:p>
@@ -863,7 +862,7 @@
             <a:fld id="{DA5D37AB-0158-D143-B9D4-A5272563F8A7}" type="slidenum">
               <a:rPr lang="nl-NL" smtClean="0"/>
               <a:pPr/>
-              <a:t>9</a:t>
+              <a:t>8</a:t>
             </a:fld>
             <a:endParaRPr lang="nl-NL"/>
           </a:p>
@@ -2035,7 +2034,7 @@
           <a:p>
             <a:fld id="{D88EC65B-D77A-B24E-9703-40BE60F18F63}" type="datetimeFigureOut">
               <a:rPr lang="en-US" smtClean="0"/>
-              <a:t>20/08/17</a:t>
+              <a:t>22/08/17</a:t>
             </a:fld>
             <a:endParaRPr lang="en-US"/>
           </a:p>
@@ -2245,7 +2244,7 @@
           <a:p>
             <a:fld id="{D88EC65B-D77A-B24E-9703-40BE60F18F63}" type="datetimeFigureOut">
               <a:rPr lang="en-US" smtClean="0"/>
-              <a:t>20/08/17</a:t>
+              <a:t>22/08/17</a:t>
             </a:fld>
             <a:endParaRPr lang="en-US"/>
           </a:p>
@@ -2521,7 +2520,7 @@
           <a:p>
             <a:fld id="{D88EC65B-D77A-B24E-9703-40BE60F18F63}" type="datetimeFigureOut">
               <a:rPr lang="en-US" smtClean="0"/>
-              <a:t>20/08/17</a:t>
+              <a:t>22/08/17</a:t>
             </a:fld>
             <a:endParaRPr lang="en-US"/>
           </a:p>
@@ -2847,7 +2846,7 @@
           <a:p>
             <a:fld id="{D88EC65B-D77A-B24E-9703-40BE60F18F63}" type="datetimeFigureOut">
               <a:rPr lang="en-US" smtClean="0"/>
-              <a:t>20/08/17</a:t>
+              <a:t>22/08/17</a:t>
             </a:fld>
             <a:endParaRPr lang="en-US"/>
           </a:p>
@@ -3313,7 +3312,7 @@
           <a:p>
             <a:fld id="{D88EC65B-D77A-B24E-9703-40BE60F18F63}" type="datetimeFigureOut">
               <a:rPr lang="en-US" smtClean="0"/>
-              <a:t>20/08/17</a:t>
+              <a:t>22/08/17</a:t>
             </a:fld>
             <a:endParaRPr lang="en-US"/>
           </a:p>
@@ -3617,7 +3616,7 @@
           <a:p>
             <a:fld id="{D88EC65B-D77A-B24E-9703-40BE60F18F63}" type="datetimeFigureOut">
               <a:rPr lang="en-US" smtClean="0"/>
-              <a:t>20/08/17</a:t>
+              <a:t>22/08/17</a:t>
             </a:fld>
             <a:endParaRPr lang="en-US"/>
           </a:p>
@@ -3736,7 +3735,7 @@
           <a:p>
             <a:fld id="{D88EC65B-D77A-B24E-9703-40BE60F18F63}" type="datetimeFigureOut">
               <a:rPr lang="en-US" smtClean="0"/>
-              <a:t>20/08/17</a:t>
+              <a:t>22/08/17</a:t>
             </a:fld>
             <a:endParaRPr lang="en-US"/>
           </a:p>
@@ -4046,7 +4045,7 @@
           <a:p>
             <a:fld id="{D88EC65B-D77A-B24E-9703-40BE60F18F63}" type="datetimeFigureOut">
               <a:rPr lang="en-US" smtClean="0"/>
-              <a:t>20/08/17</a:t>
+              <a:t>22/08/17</a:t>
             </a:fld>
             <a:endParaRPr lang="en-US"/>
           </a:p>
@@ -4332,7 +4331,7 @@
           <a:p>
             <a:fld id="{D88EC65B-D77A-B24E-9703-40BE60F18F63}" type="datetimeFigureOut">
               <a:rPr lang="en-US" smtClean="0"/>
-              <a:t>20/08/17</a:t>
+              <a:t>22/08/17</a:t>
             </a:fld>
             <a:endParaRPr lang="en-US"/>
           </a:p>
@@ -4542,7 +4541,7 @@
           <a:p>
             <a:fld id="{D88EC65B-D77A-B24E-9703-40BE60F18F63}" type="datetimeFigureOut">
               <a:rPr lang="en-US" smtClean="0"/>
-              <a:t>20/08/17</a:t>
+              <a:t>22/08/17</a:t>
             </a:fld>
             <a:endParaRPr lang="en-US"/>
           </a:p>
@@ -4752,7 +4751,7 @@
           <a:p>
             <a:fld id="{D88EC65B-D77A-B24E-9703-40BE60F18F63}" type="datetimeFigureOut">
               <a:rPr lang="en-US" smtClean="0"/>
-              <a:t>20/08/17</a:t>
+              <a:t>22/08/17</a:t>
             </a:fld>
             <a:endParaRPr lang="en-US"/>
           </a:p>
@@ -5010,7 +5009,7 @@
           <a:p>
             <a:fld id="{9861512E-2EE5-2448-AB47-1C0A5804569F}" type="datetimeFigureOut">
               <a:rPr lang="en-US" smtClean="0"/>
-              <a:t>20/08/17</a:t>
+              <a:t>22/08/17</a:t>
             </a:fld>
             <a:endParaRPr lang="en-US"/>
           </a:p>
@@ -5180,7 +5179,7 @@
           <a:p>
             <a:fld id="{9861512E-2EE5-2448-AB47-1C0A5804569F}" type="datetimeFigureOut">
               <a:rPr lang="en-US" smtClean="0"/>
-              <a:t>20/08/17</a:t>
+              <a:t>22/08/17</a:t>
             </a:fld>
             <a:endParaRPr lang="en-US"/>
           </a:p>
@@ -5426,7 +5425,7 @@
           <a:p>
             <a:fld id="{9861512E-2EE5-2448-AB47-1C0A5804569F}" type="datetimeFigureOut">
               <a:rPr lang="en-US" smtClean="0"/>
-              <a:t>20/08/17</a:t>
+              <a:t>22/08/17</a:t>
             </a:fld>
             <a:endParaRPr lang="en-US"/>
           </a:p>
@@ -5714,7 +5713,7 @@
           <a:p>
             <a:fld id="{9861512E-2EE5-2448-AB47-1C0A5804569F}" type="datetimeFigureOut">
               <a:rPr lang="en-US" smtClean="0"/>
-              <a:t>20/08/17</a:t>
+              <a:t>22/08/17</a:t>
             </a:fld>
             <a:endParaRPr lang="en-US"/>
           </a:p>
@@ -6241,7 +6240,7 @@
           <a:p>
             <a:fld id="{9861512E-2EE5-2448-AB47-1C0A5804569F}" type="datetimeFigureOut">
               <a:rPr lang="en-US" smtClean="0"/>
-              <a:t>20/08/17</a:t>
+              <a:t>22/08/17</a:t>
             </a:fld>
             <a:endParaRPr lang="en-US"/>
           </a:p>
@@ -6359,7 +6358,7 @@
           <a:p>
             <a:fld id="{9861512E-2EE5-2448-AB47-1C0A5804569F}" type="datetimeFigureOut">
               <a:rPr lang="en-US" smtClean="0"/>
-              <a:t>20/08/17</a:t>
+              <a:t>22/08/17</a:t>
             </a:fld>
             <a:endParaRPr lang="en-US"/>
           </a:p>
@@ -6454,7 +6453,7 @@
           <a:p>
             <a:fld id="{9861512E-2EE5-2448-AB47-1C0A5804569F}" type="datetimeFigureOut">
               <a:rPr lang="en-US" smtClean="0"/>
-              <a:t>20/08/17</a:t>
+              <a:t>22/08/17</a:t>
             </a:fld>
             <a:endParaRPr lang="en-US"/>
           </a:p>
@@ -6731,7 +6730,7 @@
           <a:p>
             <a:fld id="{9861512E-2EE5-2448-AB47-1C0A5804569F}" type="datetimeFigureOut">
               <a:rPr lang="en-US" smtClean="0"/>
-              <a:t>20/08/17</a:t>
+              <a:t>22/08/17</a:t>
             </a:fld>
             <a:endParaRPr lang="en-US"/>
           </a:p>
@@ -6984,7 +6983,7 @@
           <a:p>
             <a:fld id="{9861512E-2EE5-2448-AB47-1C0A5804569F}" type="datetimeFigureOut">
               <a:rPr lang="en-US" smtClean="0"/>
-              <a:t>20/08/17</a:t>
+              <a:t>22/08/17</a:t>
             </a:fld>
             <a:endParaRPr lang="en-US"/>
           </a:p>
@@ -7154,7 +7153,7 @@
           <a:p>
             <a:fld id="{9861512E-2EE5-2448-AB47-1C0A5804569F}" type="datetimeFigureOut">
               <a:rPr lang="en-US" smtClean="0"/>
-              <a:t>20/08/17</a:t>
+              <a:t>22/08/17</a:t>
             </a:fld>
             <a:endParaRPr lang="en-US"/>
           </a:p>
@@ -7334,7 +7333,7 @@
           <a:p>
             <a:fld id="{9861512E-2EE5-2448-AB47-1C0A5804569F}" type="datetimeFigureOut">
               <a:rPr lang="en-US" smtClean="0"/>
-              <a:t>20/08/17</a:t>
+              <a:t>22/08/17</a:t>
             </a:fld>
             <a:endParaRPr lang="en-US"/>
           </a:p>
@@ -9614,7 +9613,7 @@
           <a:p>
             <a:fld id="{9861512E-2EE5-2448-AB47-1C0A5804569F}" type="datetimeFigureOut">
               <a:rPr lang="en-US" smtClean="0"/>
-              <a:t>20/08/17</a:t>
+              <a:t>22/08/17</a:t>
             </a:fld>
             <a:endParaRPr lang="en-US"/>
           </a:p>
@@ -10324,67 +10323,78 @@
           <a:bodyPr/>
           <a:lstStyle/>
           <a:p>
-            <a:endParaRPr lang="en-US"/>
-          </a:p>
-        </p:txBody>
-      </p:sp>
-      <p:sp>
-        <p:nvSpPr>
-          <p:cNvPr id="3" name="Content Placeholder 2"/>
-          <p:cNvSpPr>
-            <a:spLocks noGrp="1"/>
-          </p:cNvSpPr>
-          <p:nvPr>
-            <p:ph idx="1"/>
-          </p:nvPr>
-        </p:nvSpPr>
-        <p:spPr/>
-        <p:txBody>
-          <a:bodyPr/>
-          <a:lstStyle/>
-          <a:p>
             <a:r>
               <a:rPr lang="en-US" dirty="0" smtClean="0"/>
-              <a:t>How to address deep uncertainty</a:t>
-            </a:r>
-          </a:p>
-          <a:p>
-            <a:pPr marL="457200" indent="-457200">
-              <a:buFont typeface="Arial"/>
-              <a:buChar char="•"/>
-            </a:pPr>
-            <a:r>
-              <a:rPr lang="en-US" dirty="0" smtClean="0"/>
-              <a:t>Search for several carefully selected scenarios</a:t>
-            </a:r>
-          </a:p>
-          <a:p>
-            <a:pPr marL="457200" indent="-457200">
-              <a:buFont typeface="Arial"/>
-              <a:buChar char="•"/>
-            </a:pPr>
-            <a:r>
-              <a:rPr lang="en-US" dirty="0" smtClean="0"/>
-              <a:t>Robust optimization</a:t>
-            </a:r>
-          </a:p>
-          <a:p>
-            <a:pPr marL="457200" indent="-457200">
-              <a:buFont typeface="Arial"/>
-              <a:buChar char="•"/>
-            </a:pPr>
-            <a:r>
-              <a:rPr lang="en-US" dirty="0" smtClean="0"/>
-              <a:t>(Iterative refinement using scenario discovery)</a:t>
+              <a:t>Scenario Discovery</a:t>
             </a:r>
             <a:endParaRPr lang="en-US" dirty="0"/>
           </a:p>
         </p:txBody>
       </p:sp>
+      <p:pic>
+        <p:nvPicPr>
+          <p:cNvPr id="4" name="Picture 3"/>
+          <p:cNvPicPr/>
+          <p:nvPr/>
+        </p:nvPicPr>
+        <p:blipFill>
+          <a:blip r:embed="rId2" cstate="print">
+            <a:extLst>
+              <a:ext uri="{28A0092B-C50C-407E-A947-70E740481C1C}">
+                <a14:useLocalDpi xmlns:a14="http://schemas.microsoft.com/office/drawing/2010/main" val="0"/>
+              </a:ext>
+            </a:extLst>
+          </a:blip>
+          <a:srcRect/>
+          <a:stretch>
+            <a:fillRect/>
+          </a:stretch>
+        </p:blipFill>
+        <p:spPr bwMode="auto">
+          <a:xfrm>
+            <a:off x="2397943" y="2068489"/>
+            <a:ext cx="9001000" cy="7272808"/>
+          </a:xfrm>
+          <a:prstGeom prst="rect">
+            <a:avLst/>
+          </a:prstGeom>
+          <a:noFill/>
+        </p:spPr>
+      </p:pic>
+      <p:pic>
+        <p:nvPicPr>
+          <p:cNvPr id="6" name="Picture 5" descr="figprim_box1_highres.png"/>
+          <p:cNvPicPr>
+            <a:picLocks noChangeAspect="1"/>
+          </p:cNvPicPr>
+          <p:nvPr/>
+        </p:nvPicPr>
+        <p:blipFill>
+          <a:blip r:embed="rId3" cstate="print">
+            <a:extLst>
+              <a:ext uri="{28A0092B-C50C-407E-A947-70E740481C1C}">
+                <a14:useLocalDpi xmlns:a14="http://schemas.microsoft.com/office/drawing/2010/main" val="0"/>
+              </a:ext>
+            </a:extLst>
+          </a:blip>
+          <a:stretch>
+            <a:fillRect/>
+          </a:stretch>
+        </p:blipFill>
+        <p:spPr>
+          <a:xfrm>
+            <a:off x="122387" y="2019300"/>
+            <a:ext cx="12860733" cy="6241876"/>
+          </a:xfrm>
+          <a:prstGeom prst="rect">
+            <a:avLst/>
+          </a:prstGeom>
+        </p:spPr>
+      </p:pic>
     </p:spTree>
     <p:extLst>
       <p:ext uri="{BB962C8B-B14F-4D97-AF65-F5344CB8AC3E}">
-        <p14:creationId xmlns:p14="http://schemas.microsoft.com/office/powerpoint/2010/main" val="4083602984"/>
+        <p14:creationId xmlns:p14="http://schemas.microsoft.com/office/powerpoint/2010/main" val="3420107385"/>
       </p:ext>
     </p:extLst>
   </p:cSld>
@@ -10394,7 +10404,75 @@
   <p:timing>
     <p:tnLst>
       <p:par>
-        <p:cTn xmlns:p14="http://schemas.microsoft.com/office/powerpoint/2010/main" id="1" dur="indefinite" restart="never" nodeType="tmRoot"/>
+        <p:cTn xmlns:p14="http://schemas.microsoft.com/office/powerpoint/2010/main" id="1" dur="indefinite" restart="never" nodeType="tmRoot">
+          <p:childTnLst>
+            <p:seq concurrent="1" nextAc="seek">
+              <p:cTn id="2" dur="indefinite" nodeType="mainSeq">
+                <p:childTnLst>
+                  <p:par>
+                    <p:cTn id="3" fill="hold">
+                      <p:stCondLst>
+                        <p:cond delay="indefinite"/>
+                      </p:stCondLst>
+                      <p:childTnLst>
+                        <p:par>
+                          <p:cTn id="4" fill="hold">
+                            <p:stCondLst>
+                              <p:cond delay="0"/>
+                            </p:stCondLst>
+                            <p:childTnLst>
+                              <p:par>
+                                <p:cTn id="5" presetID="1" presetClass="entr" presetSubtype="0" fill="hold" nodeType="clickEffect">
+                                  <p:stCondLst>
+                                    <p:cond delay="0"/>
+                                  </p:stCondLst>
+                                  <p:childTnLst>
+                                    <p:set>
+                                      <p:cBhvr>
+                                        <p:cTn id="6" dur="1" fill="hold">
+                                          <p:stCondLst>
+                                            <p:cond delay="0"/>
+                                          </p:stCondLst>
+                                        </p:cTn>
+                                        <p:tgtEl>
+                                          <p:spTgt spid="6"/>
+                                        </p:tgtEl>
+                                        <p:attrNameLst>
+                                          <p:attrName>style.visibility</p:attrName>
+                                        </p:attrNameLst>
+                                      </p:cBhvr>
+                                      <p:to>
+                                        <p:strVal val="visible"/>
+                                      </p:to>
+                                    </p:set>
+                                  </p:childTnLst>
+                                </p:cTn>
+                              </p:par>
+                            </p:childTnLst>
+                          </p:cTn>
+                        </p:par>
+                      </p:childTnLst>
+                    </p:cTn>
+                  </p:par>
+                </p:childTnLst>
+              </p:cTn>
+              <p:prevCondLst>
+                <p:cond evt="onPrev" delay="0">
+                  <p:tgtEl>
+                    <p:sldTgt/>
+                  </p:tgtEl>
+                </p:cond>
+              </p:prevCondLst>
+              <p:nextCondLst>
+                <p:cond evt="onNext" delay="0">
+                  <p:tgtEl>
+                    <p:sldTgt/>
+                  </p:tgtEl>
+                </p:cond>
+              </p:nextCondLst>
+            </p:seq>
+          </p:childTnLst>
+        </p:cTn>
       </p:par>
     </p:tnLst>
   </p:timing>
@@ -10418,84 +10496,9 @@
           <a:chExt cx="0" cy="0"/>
         </a:xfrm>
       </p:grpSpPr>
-      <p:sp>
-        <p:nvSpPr>
-          <p:cNvPr id="2" name="Title 1"/>
-          <p:cNvSpPr>
-            <a:spLocks noGrp="1"/>
-          </p:cNvSpPr>
-          <p:nvPr>
-            <p:ph type="title"/>
-          </p:nvPr>
-        </p:nvSpPr>
-        <p:spPr/>
-        <p:txBody>
-          <a:bodyPr/>
-          <a:lstStyle/>
-          <a:p>
-            <a:endParaRPr lang="en-US"/>
-          </a:p>
-        </p:txBody>
-      </p:sp>
-      <p:sp>
-        <p:nvSpPr>
-          <p:cNvPr id="3" name="Content Placeholder 2"/>
-          <p:cNvSpPr>
-            <a:spLocks noGrp="1"/>
-          </p:cNvSpPr>
-          <p:nvPr>
-            <p:ph idx="1"/>
-          </p:nvPr>
-        </p:nvSpPr>
-        <p:spPr/>
-        <p:txBody>
-          <a:bodyPr/>
-          <a:lstStyle/>
-          <a:p>
-            <a:endParaRPr lang="en-US"/>
-          </a:p>
-        </p:txBody>
-      </p:sp>
-    </p:spTree>
-    <p:extLst>
-      <p:ext uri="{BB962C8B-B14F-4D97-AF65-F5344CB8AC3E}">
-        <p14:creationId xmlns:p14="http://schemas.microsoft.com/office/powerpoint/2010/main" val="21846093"/>
-      </p:ext>
-    </p:extLst>
-  </p:cSld>
-  <p:clrMapOvr>
-    <a:masterClrMapping/>
-  </p:clrMapOvr>
-  <p:timing>
-    <p:tnLst>
-      <p:par>
-        <p:cTn xmlns:p14="http://schemas.microsoft.com/office/powerpoint/2010/main" id="1" dur="indefinite" restart="never" nodeType="tmRoot"/>
-      </p:par>
-    </p:tnLst>
-  </p:timing>
-</p:sld>
-</file>
-
-<file path=ppt/slides/slide12.xml><?xml version="1.0" encoding="utf-8"?>
-<p:sld xmlns:a="http://schemas.openxmlformats.org/drawingml/2006/main" xmlns:r="http://schemas.openxmlformats.org/officeDocument/2006/relationships" xmlns:p="http://schemas.openxmlformats.org/presentationml/2006/main">
-  <p:cSld>
-    <p:spTree>
-      <p:nvGrpSpPr>
-        <p:cNvPr id="1" name=""/>
-        <p:cNvGrpSpPr/>
-        <p:nvPr/>
-      </p:nvGrpSpPr>
-      <p:grpSpPr>
-        <a:xfrm>
-          <a:off x="0" y="0"/>
-          <a:ext cx="0" cy="0"/>
-          <a:chOff x="0" y="0"/>
-          <a:chExt cx="0" cy="0"/>
-        </a:xfrm>
-      </p:grpSpPr>
       <p:pic>
         <p:nvPicPr>
-          <p:cNvPr id="2" name="Picture 1" descr="figconceptual diagram2_highres.png"/>
+          <p:cNvPr id="3" name="Picture 2" descr="figconceptual diagram2_highres.png"/>
           <p:cNvPicPr>
             <a:picLocks noChangeAspect="1"/>
           </p:cNvPicPr>
@@ -10515,8 +10518,8 @@
         </p:blipFill>
         <p:spPr>
           <a:xfrm>
-            <a:off x="1979458" y="-19744"/>
-            <a:ext cx="11075670" cy="9791700"/>
+            <a:off x="1933738" y="-19744"/>
+            <a:ext cx="11121390" cy="9791700"/>
           </a:xfrm>
           <a:prstGeom prst="rect">
             <a:avLst/>
@@ -10562,7 +10565,7 @@
       </p:grpSpPr>
       <p:pic>
         <p:nvPicPr>
-          <p:cNvPr id="5" name="Picture 4" descr="figconceptual diagram_highres.png"/>
+          <p:cNvPr id="2" name="Picture 1" descr="figconceptual diagram_highres.png"/>
           <p:cNvPicPr>
             <a:picLocks noChangeAspect="1"/>
           </p:cNvPicPr>
@@ -10582,8 +10585,8 @@
         </p:blipFill>
         <p:spPr>
           <a:xfrm>
-            <a:off x="1979458" y="-18356"/>
-            <a:ext cx="11075670" cy="9791700"/>
+            <a:off x="1933738" y="-19744"/>
+            <a:ext cx="11121390" cy="9791700"/>
           </a:xfrm>
           <a:prstGeom prst="rect">
             <a:avLst/>
@@ -10627,73 +10630,6 @@
           <a:chExt cx="0" cy="0"/>
         </a:xfrm>
       </p:grpSpPr>
-      <p:pic>
-        <p:nvPicPr>
-          <p:cNvPr id="2" name="Picture 1" descr="figconceptual diagram2_highres.png"/>
-          <p:cNvPicPr>
-            <a:picLocks noChangeAspect="1"/>
-          </p:cNvPicPr>
-          <p:nvPr/>
-        </p:nvPicPr>
-        <p:blipFill>
-          <a:blip r:embed="rId2" cstate="print">
-            <a:extLst>
-              <a:ext uri="{28A0092B-C50C-407E-A947-70E740481C1C}">
-                <a14:useLocalDpi xmlns:a14="http://schemas.microsoft.com/office/drawing/2010/main" val="0"/>
-              </a:ext>
-            </a:extLst>
-          </a:blip>
-          <a:stretch>
-            <a:fillRect/>
-          </a:stretch>
-        </p:blipFill>
-        <p:spPr>
-          <a:xfrm>
-            <a:off x="1979458" y="-19744"/>
-            <a:ext cx="11075670" cy="9791700"/>
-          </a:xfrm>
-          <a:prstGeom prst="rect">
-            <a:avLst/>
-          </a:prstGeom>
-        </p:spPr>
-      </p:pic>
-    </p:spTree>
-    <p:extLst>
-      <p:ext uri="{BB962C8B-B14F-4D97-AF65-F5344CB8AC3E}">
-        <p14:creationId xmlns:p14="http://schemas.microsoft.com/office/powerpoint/2010/main" val="3412654202"/>
-      </p:ext>
-    </p:extLst>
-  </p:cSld>
-  <p:clrMapOvr>
-    <a:masterClrMapping/>
-  </p:clrMapOvr>
-  <p:timing>
-    <p:tnLst>
-      <p:par>
-        <p:cTn xmlns:p14="http://schemas.microsoft.com/office/powerpoint/2010/main" id="1" dur="indefinite" restart="never" nodeType="tmRoot"/>
-      </p:par>
-    </p:tnLst>
-  </p:timing>
-</p:sld>
-</file>
-
-<file path=ppt/slides/slide4.xml><?xml version="1.0" encoding="utf-8"?>
-<p:sld xmlns:a="http://schemas.openxmlformats.org/drawingml/2006/main" xmlns:r="http://schemas.openxmlformats.org/officeDocument/2006/relationships" xmlns:p="http://schemas.openxmlformats.org/presentationml/2006/main">
-  <p:cSld>
-    <p:spTree>
-      <p:nvGrpSpPr>
-        <p:cNvPr id="1" name=""/>
-        <p:cNvGrpSpPr/>
-        <p:nvPr/>
-      </p:nvGrpSpPr>
-      <p:grpSpPr>
-        <a:xfrm>
-          <a:off x="0" y="0"/>
-          <a:ext cx="0" cy="0"/>
-          <a:chOff x="0" y="0"/>
-          <a:chExt cx="0" cy="0"/>
-        </a:xfrm>
-      </p:grpSpPr>
       <p:sp>
         <p:nvSpPr>
           <p:cNvPr id="2" name="Title 1"/>
@@ -10853,7 +10789,7 @@
 </p:sld>
 </file>
 
-<file path=ppt/slides/slide5.xml><?xml version="1.0" encoding="utf-8"?>
+<file path=ppt/slides/slide4.xml><?xml version="1.0" encoding="utf-8"?>
 <p:sld xmlns:a="http://schemas.openxmlformats.org/drawingml/2006/main" xmlns:r="http://schemas.openxmlformats.org/officeDocument/2006/relationships" xmlns:p="http://schemas.openxmlformats.org/presentationml/2006/main">
   <p:cSld>
     <p:spTree>
@@ -11015,6 +10951,260 @@
 </p:sld>
 </file>
 
+<file path=ppt/slides/slide5.xml><?xml version="1.0" encoding="utf-8"?>
+<p:sld xmlns:a="http://schemas.openxmlformats.org/drawingml/2006/main" xmlns:r="http://schemas.openxmlformats.org/officeDocument/2006/relationships" xmlns:p="http://schemas.openxmlformats.org/presentationml/2006/main">
+  <p:cSld>
+    <p:spTree>
+      <p:nvGrpSpPr>
+        <p:cNvPr id="1" name=""/>
+        <p:cNvGrpSpPr/>
+        <p:nvPr/>
+      </p:nvGrpSpPr>
+      <p:grpSpPr>
+        <a:xfrm>
+          <a:off x="0" y="0"/>
+          <a:ext cx="0" cy="0"/>
+          <a:chOff x="0" y="0"/>
+          <a:chExt cx="0" cy="0"/>
+        </a:xfrm>
+      </p:grpSpPr>
+      <p:sp>
+        <p:nvSpPr>
+          <p:cNvPr id="2" name="Title 1"/>
+          <p:cNvSpPr>
+            <a:spLocks noGrp="1"/>
+          </p:cNvSpPr>
+          <p:nvPr>
+            <p:ph type="title"/>
+          </p:nvPr>
+        </p:nvSpPr>
+        <p:spPr/>
+        <p:txBody>
+          <a:bodyPr/>
+          <a:lstStyle/>
+          <a:p>
+            <a:r>
+              <a:rPr lang="en-US" dirty="0" smtClean="0"/>
+              <a:t>Endogenous learning</a:t>
+            </a:r>
+            <a:endParaRPr lang="en-US" dirty="0"/>
+          </a:p>
+        </p:txBody>
+      </p:sp>
+      <p:pic>
+        <p:nvPicPr>
+          <p:cNvPr id="4" name="Picture 3"/>
+          <p:cNvPicPr>
+            <a:picLocks noChangeAspect="1"/>
+          </p:cNvPicPr>
+          <p:nvPr/>
+        </p:nvPicPr>
+        <p:blipFill>
+          <a:blip r:embed="rId2"/>
+          <a:stretch>
+            <a:fillRect/>
+          </a:stretch>
+        </p:blipFill>
+        <p:spPr>
+          <a:xfrm>
+            <a:off x="2325936" y="3436640"/>
+            <a:ext cx="10181792" cy="3168352"/>
+          </a:xfrm>
+          <a:prstGeom prst="rect">
+            <a:avLst/>
+          </a:prstGeom>
+        </p:spPr>
+      </p:pic>
+      <p:grpSp>
+        <p:nvGrpSpPr>
+          <p:cNvPr id="21" name="Group 20"/>
+          <p:cNvGrpSpPr/>
+          <p:nvPr/>
+        </p:nvGrpSpPr>
+        <p:grpSpPr>
+          <a:xfrm>
+            <a:off x="4305300" y="4372744"/>
+            <a:ext cx="6838950" cy="2812281"/>
+            <a:chOff x="4305300" y="4372744"/>
+            <a:chExt cx="6838950" cy="2812281"/>
+          </a:xfrm>
+        </p:grpSpPr>
+        <p:cxnSp>
+          <p:nvCxnSpPr>
+            <p:cNvPr id="10" name="Straight Connector 9"/>
+            <p:cNvCxnSpPr/>
+            <p:nvPr/>
+          </p:nvCxnSpPr>
+          <p:spPr bwMode="auto">
+            <a:xfrm flipH="1">
+              <a:off x="4342160" y="4588768"/>
+              <a:ext cx="72008" cy="2592288"/>
+            </a:xfrm>
+            <a:prstGeom prst="line">
+              <a:avLst/>
+            </a:prstGeom>
+            <a:solidFill>
+              <a:schemeClr val="accent1"/>
+            </a:solidFill>
+            <a:ln w="76200" cap="flat" cmpd="sng" algn="ctr">
+              <a:solidFill>
+                <a:srgbClr val="00A6D6"/>
+              </a:solidFill>
+              <a:prstDash val="solid"/>
+              <a:round/>
+              <a:headEnd type="triangle" w="med" len="med"/>
+              <a:tailEnd type="none" w="med" len="med"/>
+            </a:ln>
+            <a:effectLst/>
+          </p:spPr>
+        </p:cxnSp>
+        <p:cxnSp>
+          <p:nvCxnSpPr>
+            <p:cNvPr id="11" name="Straight Connector 10"/>
+            <p:cNvCxnSpPr/>
+            <p:nvPr/>
+          </p:nvCxnSpPr>
+          <p:spPr bwMode="auto">
+            <a:xfrm>
+              <a:off x="11110912" y="4372744"/>
+              <a:ext cx="0" cy="2808312"/>
+            </a:xfrm>
+            <a:prstGeom prst="line">
+              <a:avLst/>
+            </a:prstGeom>
+            <a:solidFill>
+              <a:schemeClr val="accent1"/>
+            </a:solidFill>
+            <a:ln w="76200" cap="flat" cmpd="sng" algn="ctr">
+              <a:solidFill>
+                <a:srgbClr val="00A6D6"/>
+              </a:solidFill>
+              <a:prstDash val="solid"/>
+              <a:round/>
+              <a:headEnd type="none" w="med" len="med"/>
+              <a:tailEnd type="none" w="med" len="med"/>
+            </a:ln>
+            <a:effectLst/>
+          </p:spPr>
+        </p:cxnSp>
+        <p:cxnSp>
+          <p:nvCxnSpPr>
+            <p:cNvPr id="13" name="Straight Connector 12"/>
+            <p:cNvCxnSpPr/>
+            <p:nvPr/>
+          </p:nvCxnSpPr>
+          <p:spPr bwMode="auto">
+            <a:xfrm flipH="1">
+              <a:off x="4305300" y="7181850"/>
+              <a:ext cx="6838950" cy="3175"/>
+            </a:xfrm>
+            <a:prstGeom prst="line">
+              <a:avLst/>
+            </a:prstGeom>
+            <a:solidFill>
+              <a:schemeClr val="accent1"/>
+            </a:solidFill>
+            <a:ln w="76200" cap="flat" cmpd="sng" algn="ctr">
+              <a:solidFill>
+                <a:srgbClr val="00A6D6"/>
+              </a:solidFill>
+              <a:prstDash val="solid"/>
+              <a:round/>
+              <a:headEnd type="none" w="med" len="med"/>
+              <a:tailEnd type="none" w="med" len="med"/>
+            </a:ln>
+            <a:effectLst/>
+          </p:spPr>
+        </p:cxnSp>
+      </p:grpSp>
+    </p:spTree>
+    <p:extLst>
+      <p:ext uri="{BB962C8B-B14F-4D97-AF65-F5344CB8AC3E}">
+        <p14:creationId xmlns:p14="http://schemas.microsoft.com/office/powerpoint/2010/main" val="2590082481"/>
+      </p:ext>
+    </p:extLst>
+  </p:cSld>
+  <p:clrMapOvr>
+    <a:masterClrMapping/>
+  </p:clrMapOvr>
+  <p:timing>
+    <p:tnLst>
+      <p:par>
+        <p:cTn xmlns:p14="http://schemas.microsoft.com/office/powerpoint/2010/main" id="1" dur="indefinite" restart="never" nodeType="tmRoot">
+          <p:childTnLst>
+            <p:seq concurrent="1" nextAc="seek">
+              <p:cTn id="2" dur="indefinite" nodeType="mainSeq">
+                <p:childTnLst>
+                  <p:par>
+                    <p:cTn id="3" fill="hold">
+                      <p:stCondLst>
+                        <p:cond delay="indefinite"/>
+                      </p:stCondLst>
+                      <p:childTnLst>
+                        <p:par>
+                          <p:cTn id="4" fill="hold">
+                            <p:stCondLst>
+                              <p:cond delay="0"/>
+                            </p:stCondLst>
+                            <p:childTnLst>
+                              <p:par>
+                                <p:cTn id="5" presetID="1" presetClass="entr" presetSubtype="0" fill="hold" nodeType="clickEffect">
+                                  <p:stCondLst>
+                                    <p:cond delay="0"/>
+                                  </p:stCondLst>
+                                  <p:childTnLst>
+                                    <p:set>
+                                      <p:cBhvr>
+                                        <p:cTn id="6" dur="1" fill="hold">
+                                          <p:stCondLst>
+                                            <p:cond delay="0"/>
+                                          </p:stCondLst>
+                                        </p:cTn>
+                                        <p:tgtEl>
+                                          <p:spTgt spid="21"/>
+                                        </p:tgtEl>
+                                        <p:attrNameLst>
+                                          <p:attrName>style.visibility</p:attrName>
+                                        </p:attrNameLst>
+                                      </p:cBhvr>
+                                      <p:to>
+                                        <p:strVal val="visible"/>
+                                      </p:to>
+                                    </p:set>
+                                  </p:childTnLst>
+                                </p:cTn>
+                              </p:par>
+                            </p:childTnLst>
+                          </p:cTn>
+                        </p:par>
+                      </p:childTnLst>
+                    </p:cTn>
+                  </p:par>
+                </p:childTnLst>
+              </p:cTn>
+              <p:prevCondLst>
+                <p:cond evt="onPrev" delay="0">
+                  <p:tgtEl>
+                    <p:sldTgt/>
+                  </p:tgtEl>
+                </p:cond>
+              </p:prevCondLst>
+              <p:nextCondLst>
+                <p:cond evt="onNext" delay="0">
+                  <p:tgtEl>
+                    <p:sldTgt/>
+                  </p:tgtEl>
+                </p:cond>
+              </p:nextCondLst>
+            </p:seq>
+          </p:childTnLst>
+        </p:cTn>
+      </p:par>
+    </p:tnLst>
+  </p:timing>
+</p:sld>
+</file>
+
 <file path=ppt/slides/slide6.xml><?xml version="1.0" encoding="utf-8"?>
 <p:sld xmlns:a="http://schemas.openxmlformats.org/drawingml/2006/main" xmlns:r="http://schemas.openxmlformats.org/officeDocument/2006/relationships" xmlns:p="http://schemas.openxmlformats.org/presentationml/2006/main">
   <p:cSld>
@@ -11047,24 +11237,20 @@
           <a:bodyPr/>
           <a:lstStyle/>
           <a:p>
-            <a:r>
-              <a:rPr lang="en-US" dirty="0" smtClean="0"/>
-              <a:t>Endogenous learning</a:t>
-            </a:r>
-            <a:endParaRPr lang="en-US" dirty="0"/>
+            <a:endParaRPr lang="en-US"/>
           </a:p>
         </p:txBody>
       </p:sp>
       <p:pic>
         <p:nvPicPr>
-          <p:cNvPr id="4" name="Picture 3"/>
+          <p:cNvPr id="5" name="Picture 4" descr="figcomparison_highres.png"/>
           <p:cNvPicPr>
             <a:picLocks noChangeAspect="1"/>
           </p:cNvPicPr>
           <p:nvPr/>
         </p:nvPicPr>
         <p:blipFill>
-          <a:blip r:embed="rId2">
+          <a:blip r:embed="rId2" cstate="print">
             <a:extLst>
               <a:ext uri="{28A0092B-C50C-407E-A947-70E740481C1C}">
                 <a14:useLocalDpi xmlns:a14="http://schemas.microsoft.com/office/drawing/2010/main" val="0"/>
@@ -11077,96 +11263,18 @@
         </p:blipFill>
         <p:spPr>
           <a:xfrm>
-            <a:off x="2325936" y="1492423"/>
-            <a:ext cx="10225136" cy="7576457"/>
+            <a:off x="2037904" y="2126320"/>
+            <a:ext cx="10966896" cy="6134856"/>
           </a:xfrm>
           <a:prstGeom prst="rect">
             <a:avLst/>
           </a:prstGeom>
         </p:spPr>
       </p:pic>
-      <p:sp>
-        <p:nvSpPr>
-          <p:cNvPr id="5" name="TextBox 4"/>
-          <p:cNvSpPr txBox="1"/>
-          <p:nvPr/>
-        </p:nvSpPr>
-        <p:spPr>
-          <a:xfrm>
-            <a:off x="2253928" y="9116560"/>
-            <a:ext cx="9505056" cy="369332"/>
-          </a:xfrm>
-          <a:prstGeom prst="rect">
-            <a:avLst/>
-          </a:prstGeom>
-          <a:noFill/>
-        </p:spPr>
-        <p:txBody>
-          <a:bodyPr wrap="square" rtlCol="0">
-            <a:spAutoFit/>
-          </a:bodyPr>
-          <a:lstStyle/>
-          <a:p>
-            <a:r>
-              <a:rPr lang="en-US" sz="1800" dirty="0" smtClean="0">
-                <a:solidFill>
-                  <a:srgbClr val="A6A6A6"/>
-                </a:solidFill>
-              </a:rPr>
-              <a:t>Quinn et </a:t>
-            </a:r>
-            <a:r>
-              <a:rPr lang="en-US" sz="1800" dirty="0" smtClean="0">
-                <a:solidFill>
-                  <a:srgbClr val="A6A6A6"/>
-                </a:solidFill>
-              </a:rPr>
-              <a:t>al (</a:t>
-            </a:r>
-            <a:r>
-              <a:rPr lang="en-US" sz="1800" dirty="0" smtClean="0">
-                <a:solidFill>
-                  <a:srgbClr val="A6A6A6"/>
-                </a:solidFill>
-              </a:rPr>
-              <a:t>2017) </a:t>
-            </a:r>
-            <a:r>
-              <a:rPr lang="en-US" sz="1800" dirty="0" err="1" smtClean="0">
-                <a:solidFill>
-                  <a:srgbClr val="A6A6A6"/>
-                </a:solidFill>
-              </a:rPr>
-              <a:t>doi</a:t>
-            </a:r>
-            <a:r>
-              <a:rPr lang="en-US" sz="1800" dirty="0" smtClean="0">
-                <a:solidFill>
-                  <a:srgbClr val="A6A6A6"/>
-                </a:solidFill>
-              </a:rPr>
-              <a:t> </a:t>
-            </a:r>
-            <a:r>
-              <a:rPr lang="hr-HR" sz="1800" dirty="0">
-                <a:solidFill>
-                  <a:srgbClr val="A6A6A6"/>
-                </a:solidFill>
-              </a:rPr>
-              <a:t>10.1016/j.envsoft.2017.02.017</a:t>
-            </a:r>
-            <a:endParaRPr lang="en-US" sz="1800" dirty="0">
-              <a:solidFill>
-                <a:srgbClr val="A6A6A6"/>
-              </a:solidFill>
-            </a:endParaRPr>
-          </a:p>
-        </p:txBody>
-      </p:sp>
     </p:spTree>
     <p:extLst>
       <p:ext uri="{BB962C8B-B14F-4D97-AF65-F5344CB8AC3E}">
-        <p14:creationId xmlns:p14="http://schemas.microsoft.com/office/powerpoint/2010/main" val="3427158961"/>
+        <p14:creationId xmlns:p14="http://schemas.microsoft.com/office/powerpoint/2010/main" val="4027299908"/>
       </p:ext>
     </p:extLst>
   </p:cSld>
@@ -11215,20 +11323,24 @@
           <a:bodyPr/>
           <a:lstStyle/>
           <a:p>
-            <a:endParaRPr lang="en-US"/>
+            <a:r>
+              <a:rPr lang="en-US" dirty="0" smtClean="0"/>
+              <a:t>Deep Uncertainty</a:t>
+            </a:r>
+            <a:endParaRPr lang="en-US" dirty="0"/>
           </a:p>
         </p:txBody>
       </p:sp>
       <p:pic>
         <p:nvPicPr>
-          <p:cNvPr id="5" name="Picture 4" descr="figcomparison_highres.png"/>
+          <p:cNvPr id="4" name="Picture 3" descr="lake_problem.jpg"/>
           <p:cNvPicPr>
             <a:picLocks noChangeAspect="1"/>
           </p:cNvPicPr>
           <p:nvPr/>
         </p:nvPicPr>
         <p:blipFill>
-          <a:blip r:embed="rId2" cstate="print">
+          <a:blip r:embed="rId2">
             <a:extLst>
               <a:ext uri="{28A0092B-C50C-407E-A947-70E740481C1C}">
                 <a14:useLocalDpi xmlns:a14="http://schemas.microsoft.com/office/drawing/2010/main" val="0"/>
@@ -11241,18 +11353,251 @@
         </p:blipFill>
         <p:spPr>
           <a:xfrm>
-            <a:off x="2037904" y="2126320"/>
-            <a:ext cx="10966896" cy="6134856"/>
+            <a:off x="2485020" y="2572544"/>
+            <a:ext cx="9489988" cy="4345136"/>
           </a:xfrm>
           <a:prstGeom prst="rect">
             <a:avLst/>
           </a:prstGeom>
         </p:spPr>
       </p:pic>
+      <p:sp>
+        <p:nvSpPr>
+          <p:cNvPr id="5" name="Rounded Rectangular Callout 4"/>
+          <p:cNvSpPr/>
+          <p:nvPr/>
+        </p:nvSpPr>
+        <p:spPr bwMode="auto">
+          <a:xfrm>
+            <a:off x="6790432" y="2284512"/>
+            <a:ext cx="3960440" cy="1368152"/>
+          </a:xfrm>
+          <a:prstGeom prst="wedgeRoundRectCallout">
+            <a:avLst>
+              <a:gd name="adj1" fmla="val -20833"/>
+              <a:gd name="adj2" fmla="val 75393"/>
+              <a:gd name="adj3" fmla="val 16667"/>
+            </a:avLst>
+          </a:prstGeom>
+          <a:solidFill>
+            <a:schemeClr val="bg2"/>
+          </a:solidFill>
+          <a:ln w="9525" cap="flat" cmpd="sng" algn="ctr">
+            <a:noFill/>
+            <a:prstDash val="solid"/>
+            <a:round/>
+            <a:headEnd type="none" w="med" len="med"/>
+            <a:tailEnd type="none" w="med" len="med"/>
+          </a:ln>
+          <a:effectLst/>
+        </p:spPr>
+        <p:txBody>
+          <a:bodyPr vert="horz" wrap="square" lIns="91440" tIns="45720" rIns="91440" bIns="45720" numCol="1" rtlCol="0" anchor="t" anchorCtr="0" compatLnSpc="1">
+            <a:prstTxWarp prst="textNoShape">
+              <a:avLst/>
+            </a:prstTxWarp>
+          </a:bodyPr>
+          <a:lstStyle/>
+          <a:p>
+            <a:pPr marL="0" marR="0" indent="0" algn="ctr" defTabSz="914400" rtl="0" eaLnBrk="0" fontAlgn="base" latinLnBrk="0" hangingPunct="0">
+              <a:lnSpc>
+                <a:spcPct val="100000"/>
+              </a:lnSpc>
+              <a:spcBef>
+                <a:spcPct val="0"/>
+              </a:spcBef>
+              <a:spcAft>
+                <a:spcPct val="0"/>
+              </a:spcAft>
+              <a:buClrTx/>
+              <a:buSzTx/>
+              <a:buFontTx/>
+              <a:buNone/>
+              <a:tabLst/>
+            </a:pPr>
+            <a:r>
+              <a:rPr kumimoji="0" lang="en-US" sz="2400" b="0" i="0" u="none" strike="noStrike" cap="none" normalizeH="0" baseline="0" dirty="0" smtClean="0">
+                <a:ln>
+                  <a:noFill/>
+                </a:ln>
+                <a:solidFill>
+                  <a:schemeClr val="bg1"/>
+                </a:solidFill>
+                <a:latin typeface="Arial" charset="0"/>
+                <a:ea typeface="ＭＳ Ｐゴシック" pitchFamily="1" charset="-128"/>
+              </a:rPr>
+              <a:t>Do we know</a:t>
+            </a:r>
+            <a:r>
+              <a:rPr kumimoji="0" lang="en-US" sz="2400" b="0" i="0" u="none" strike="noStrike" cap="none" normalizeH="0" dirty="0" smtClean="0">
+                <a:ln>
+                  <a:noFill/>
+                </a:ln>
+                <a:solidFill>
+                  <a:schemeClr val="bg1"/>
+                </a:solidFill>
+                <a:latin typeface="Arial" charset="0"/>
+                <a:ea typeface="ＭＳ Ｐゴシック" pitchFamily="1" charset="-128"/>
+              </a:rPr>
+              <a:t> the correct parameterization for the natural inflow?</a:t>
+            </a:r>
+            <a:endParaRPr kumimoji="0" lang="en-US" sz="2400" b="0" i="0" u="none" strike="noStrike" cap="none" normalizeH="0" baseline="0" dirty="0" smtClean="0">
+              <a:ln>
+                <a:noFill/>
+              </a:ln>
+              <a:solidFill>
+                <a:schemeClr val="bg1"/>
+              </a:solidFill>
+              <a:latin typeface="Arial" charset="0"/>
+              <a:ea typeface="ＭＳ Ｐゴシック" pitchFamily="1" charset="-128"/>
+            </a:endParaRPr>
+          </a:p>
+        </p:txBody>
+      </p:sp>
+      <p:sp>
+        <p:nvSpPr>
+          <p:cNvPr id="6" name="Rounded Rectangular Callout 5"/>
+          <p:cNvSpPr/>
+          <p:nvPr/>
+        </p:nvSpPr>
+        <p:spPr bwMode="auto">
+          <a:xfrm>
+            <a:off x="10390832" y="3796680"/>
+            <a:ext cx="2304256" cy="1008112"/>
+          </a:xfrm>
+          <a:prstGeom prst="wedgeRoundRectCallout">
+            <a:avLst>
+              <a:gd name="adj1" fmla="val -26635"/>
+              <a:gd name="adj2" fmla="val 69131"/>
+              <a:gd name="adj3" fmla="val 16667"/>
+            </a:avLst>
+          </a:prstGeom>
+          <a:solidFill>
+            <a:schemeClr val="bg2"/>
+          </a:solidFill>
+          <a:ln w="9525" cap="flat" cmpd="sng" algn="ctr">
+            <a:noFill/>
+            <a:prstDash val="solid"/>
+            <a:round/>
+            <a:headEnd type="none" w="med" len="med"/>
+            <a:tailEnd type="none" w="med" len="med"/>
+          </a:ln>
+          <a:effectLst/>
+        </p:spPr>
+        <p:txBody>
+          <a:bodyPr vert="horz" wrap="square" lIns="91440" tIns="45720" rIns="91440" bIns="45720" numCol="1" rtlCol="0" anchor="t" anchorCtr="0" compatLnSpc="1">
+            <a:prstTxWarp prst="textNoShape">
+              <a:avLst/>
+            </a:prstTxWarp>
+          </a:bodyPr>
+          <a:lstStyle/>
+          <a:p>
+            <a:pPr marL="0" marR="0" indent="0" algn="ctr" defTabSz="914400" rtl="0" eaLnBrk="0" fontAlgn="base" latinLnBrk="0" hangingPunct="0">
+              <a:lnSpc>
+                <a:spcPct val="100000"/>
+              </a:lnSpc>
+              <a:spcBef>
+                <a:spcPct val="0"/>
+              </a:spcBef>
+              <a:spcAft>
+                <a:spcPct val="0"/>
+              </a:spcAft>
+              <a:buClrTx/>
+              <a:buSzTx/>
+              <a:buFontTx/>
+              <a:buNone/>
+              <a:tabLst/>
+            </a:pPr>
+            <a:r>
+              <a:rPr kumimoji="0" lang="en-US" sz="2400" b="0" i="0" u="none" strike="noStrike" cap="none" normalizeH="0" baseline="0" dirty="0" smtClean="0">
+                <a:ln>
+                  <a:noFill/>
+                </a:ln>
+                <a:solidFill>
+                  <a:schemeClr val="bg1"/>
+                </a:solidFill>
+                <a:latin typeface="Arial" charset="0"/>
+                <a:ea typeface="ＭＳ Ｐゴシック" pitchFamily="1" charset="-128"/>
+              </a:rPr>
+              <a:t>Do we know this exactly?</a:t>
+            </a:r>
+          </a:p>
+        </p:txBody>
+      </p:sp>
+      <p:sp>
+        <p:nvSpPr>
+          <p:cNvPr id="7" name="Rounded Rectangular Callout 6"/>
+          <p:cNvSpPr/>
+          <p:nvPr/>
+        </p:nvSpPr>
+        <p:spPr bwMode="auto">
+          <a:xfrm>
+            <a:off x="4702200" y="7181056"/>
+            <a:ext cx="3096344" cy="1080120"/>
+          </a:xfrm>
+          <a:prstGeom prst="wedgeRoundRectCallout">
+            <a:avLst>
+              <a:gd name="adj1" fmla="val -1402"/>
+              <a:gd name="adj2" fmla="val -78425"/>
+              <a:gd name="adj3" fmla="val 16667"/>
+            </a:avLst>
+          </a:prstGeom>
+          <a:solidFill>
+            <a:schemeClr val="bg2"/>
+          </a:solidFill>
+          <a:ln w="9525" cap="flat" cmpd="sng" algn="ctr">
+            <a:noFill/>
+            <a:prstDash val="solid"/>
+            <a:round/>
+            <a:headEnd type="none" w="med" len="med"/>
+            <a:tailEnd type="none" w="med" len="med"/>
+          </a:ln>
+          <a:effectLst/>
+        </p:spPr>
+        <p:txBody>
+          <a:bodyPr vert="horz" wrap="square" lIns="91440" tIns="45720" rIns="91440" bIns="45720" numCol="1" rtlCol="0" anchor="t" anchorCtr="0" compatLnSpc="1">
+            <a:prstTxWarp prst="textNoShape">
+              <a:avLst/>
+            </a:prstTxWarp>
+          </a:bodyPr>
+          <a:lstStyle/>
+          <a:p>
+            <a:pPr marL="0" marR="0" indent="0" algn="ctr" defTabSz="914400" rtl="0" eaLnBrk="0" fontAlgn="base" latinLnBrk="0" hangingPunct="0">
+              <a:lnSpc>
+                <a:spcPct val="100000"/>
+              </a:lnSpc>
+              <a:spcBef>
+                <a:spcPct val="0"/>
+              </a:spcBef>
+              <a:spcAft>
+                <a:spcPct val="0"/>
+              </a:spcAft>
+              <a:buClrTx/>
+              <a:buSzTx/>
+              <a:buFontTx/>
+              <a:buNone/>
+              <a:tabLst/>
+            </a:pPr>
+            <a:r>
+              <a:rPr kumimoji="0" lang="en-US" sz="2400" b="0" i="0" u="none" strike="noStrike" cap="none" normalizeH="0" baseline="0" dirty="0" smtClean="0">
+                <a:ln>
+                  <a:noFill/>
+                </a:ln>
+                <a:solidFill>
+                  <a:schemeClr val="bg1"/>
+                </a:solidFill>
+                <a:latin typeface="Arial" charset="0"/>
+                <a:ea typeface="ＭＳ Ｐゴシック" pitchFamily="1" charset="-128"/>
+              </a:rPr>
+              <a:t>How to discount this over time?</a:t>
+            </a:r>
+          </a:p>
+        </p:txBody>
+      </p:sp>
     </p:spTree>
     <p:extLst>
       <p:ext uri="{BB962C8B-B14F-4D97-AF65-F5344CB8AC3E}">
-        <p14:creationId xmlns:p14="http://schemas.microsoft.com/office/powerpoint/2010/main" val="4027299908"/>
+        <p14:creationId xmlns:p14="http://schemas.microsoft.com/office/powerpoint/2010/main" val="160830068"/>
       </p:ext>
     </p:extLst>
   </p:cSld>
@@ -11301,9 +11646,10 @@
           <a:bodyPr/>
           <a:lstStyle/>
           <a:p>
+            <a:pPr marL="1216025" indent="-1216025"/>
             <a:r>
               <a:rPr lang="en-US" dirty="0" smtClean="0"/>
-              <a:t>Deep Uncertainty</a:t>
+              <a:t>Deep Uncertainty re-evaluation</a:t>
             </a:r>
             <a:endParaRPr lang="en-US" dirty="0"/>
           </a:p>
@@ -11311,14 +11657,14 @@
       </p:sp>
       <p:pic>
         <p:nvPicPr>
-          <p:cNvPr id="4" name="Picture 3" descr="lake_problem.jpg"/>
+          <p:cNvPr id="5" name="Picture 4" descr="figdeep uncertainty learning_highres.png"/>
           <p:cNvPicPr>
             <a:picLocks noChangeAspect="1"/>
           </p:cNvPicPr>
           <p:nvPr/>
         </p:nvPicPr>
         <p:blipFill>
-          <a:blip r:embed="rId2">
+          <a:blip r:embed="rId3" cstate="print">
             <a:extLst>
               <a:ext uri="{28A0092B-C50C-407E-A947-70E740481C1C}">
                 <a14:useLocalDpi xmlns:a14="http://schemas.microsoft.com/office/drawing/2010/main" val="0"/>
@@ -11331,251 +11677,18 @@
         </p:blipFill>
         <p:spPr>
           <a:xfrm>
-            <a:off x="2485020" y="2572544"/>
-            <a:ext cx="9489988" cy="4345136"/>
+            <a:off x="2159000" y="2019300"/>
+            <a:ext cx="8686800" cy="5702808"/>
           </a:xfrm>
           <a:prstGeom prst="rect">
             <a:avLst/>
           </a:prstGeom>
         </p:spPr>
       </p:pic>
-      <p:sp>
-        <p:nvSpPr>
-          <p:cNvPr id="5" name="Rounded Rectangular Callout 4"/>
-          <p:cNvSpPr/>
-          <p:nvPr/>
-        </p:nvSpPr>
-        <p:spPr bwMode="auto">
-          <a:xfrm>
-            <a:off x="6790432" y="2284512"/>
-            <a:ext cx="3960440" cy="1368152"/>
-          </a:xfrm>
-          <a:prstGeom prst="wedgeRoundRectCallout">
-            <a:avLst>
-              <a:gd name="adj1" fmla="val -20833"/>
-              <a:gd name="adj2" fmla="val 75393"/>
-              <a:gd name="adj3" fmla="val 16667"/>
-            </a:avLst>
-          </a:prstGeom>
-          <a:solidFill>
-            <a:schemeClr val="bg2"/>
-          </a:solidFill>
-          <a:ln w="9525" cap="flat" cmpd="sng" algn="ctr">
-            <a:noFill/>
-            <a:prstDash val="solid"/>
-            <a:round/>
-            <a:headEnd type="none" w="med" len="med"/>
-            <a:tailEnd type="none" w="med" len="med"/>
-          </a:ln>
-          <a:effectLst/>
-        </p:spPr>
-        <p:txBody>
-          <a:bodyPr vert="horz" wrap="square" lIns="91440" tIns="45720" rIns="91440" bIns="45720" numCol="1" rtlCol="0" anchor="t" anchorCtr="0" compatLnSpc="1">
-            <a:prstTxWarp prst="textNoShape">
-              <a:avLst/>
-            </a:prstTxWarp>
-          </a:bodyPr>
-          <a:lstStyle/>
-          <a:p>
-            <a:pPr marL="0" marR="0" indent="0" algn="ctr" defTabSz="914400" rtl="0" eaLnBrk="0" fontAlgn="base" latinLnBrk="0" hangingPunct="0">
-              <a:lnSpc>
-                <a:spcPct val="100000"/>
-              </a:lnSpc>
-              <a:spcBef>
-                <a:spcPct val="0"/>
-              </a:spcBef>
-              <a:spcAft>
-                <a:spcPct val="0"/>
-              </a:spcAft>
-              <a:buClrTx/>
-              <a:buSzTx/>
-              <a:buFontTx/>
-              <a:buNone/>
-              <a:tabLst/>
-            </a:pPr>
-            <a:r>
-              <a:rPr kumimoji="0" lang="en-US" sz="2400" b="0" i="0" u="none" strike="noStrike" cap="none" normalizeH="0" baseline="0" dirty="0" smtClean="0">
-                <a:ln>
-                  <a:noFill/>
-                </a:ln>
-                <a:solidFill>
-                  <a:schemeClr val="bg1"/>
-                </a:solidFill>
-                <a:latin typeface="Arial" charset="0"/>
-                <a:ea typeface="ＭＳ Ｐゴシック" pitchFamily="1" charset="-128"/>
-              </a:rPr>
-              <a:t>Do we know</a:t>
-            </a:r>
-            <a:r>
-              <a:rPr kumimoji="0" lang="en-US" sz="2400" b="0" i="0" u="none" strike="noStrike" cap="none" normalizeH="0" dirty="0" smtClean="0">
-                <a:ln>
-                  <a:noFill/>
-                </a:ln>
-                <a:solidFill>
-                  <a:schemeClr val="bg1"/>
-                </a:solidFill>
-                <a:latin typeface="Arial" charset="0"/>
-                <a:ea typeface="ＭＳ Ｐゴシック" pitchFamily="1" charset="-128"/>
-              </a:rPr>
-              <a:t> the correct parameterization for the natural inflow?</a:t>
-            </a:r>
-            <a:endParaRPr kumimoji="0" lang="en-US" sz="2400" b="0" i="0" u="none" strike="noStrike" cap="none" normalizeH="0" baseline="0" dirty="0" smtClean="0">
-              <a:ln>
-                <a:noFill/>
-              </a:ln>
-              <a:solidFill>
-                <a:schemeClr val="bg1"/>
-              </a:solidFill>
-              <a:latin typeface="Arial" charset="0"/>
-              <a:ea typeface="ＭＳ Ｐゴシック" pitchFamily="1" charset="-128"/>
-            </a:endParaRPr>
-          </a:p>
-        </p:txBody>
-      </p:sp>
-      <p:sp>
-        <p:nvSpPr>
-          <p:cNvPr id="6" name="Rounded Rectangular Callout 5"/>
-          <p:cNvSpPr/>
-          <p:nvPr/>
-        </p:nvSpPr>
-        <p:spPr bwMode="auto">
-          <a:xfrm>
-            <a:off x="10390832" y="3796680"/>
-            <a:ext cx="2304256" cy="1008112"/>
-          </a:xfrm>
-          <a:prstGeom prst="wedgeRoundRectCallout">
-            <a:avLst>
-              <a:gd name="adj1" fmla="val -26635"/>
-              <a:gd name="adj2" fmla="val 69131"/>
-              <a:gd name="adj3" fmla="val 16667"/>
-            </a:avLst>
-          </a:prstGeom>
-          <a:solidFill>
-            <a:schemeClr val="bg2"/>
-          </a:solidFill>
-          <a:ln w="9525" cap="flat" cmpd="sng" algn="ctr">
-            <a:noFill/>
-            <a:prstDash val="solid"/>
-            <a:round/>
-            <a:headEnd type="none" w="med" len="med"/>
-            <a:tailEnd type="none" w="med" len="med"/>
-          </a:ln>
-          <a:effectLst/>
-        </p:spPr>
-        <p:txBody>
-          <a:bodyPr vert="horz" wrap="square" lIns="91440" tIns="45720" rIns="91440" bIns="45720" numCol="1" rtlCol="0" anchor="t" anchorCtr="0" compatLnSpc="1">
-            <a:prstTxWarp prst="textNoShape">
-              <a:avLst/>
-            </a:prstTxWarp>
-          </a:bodyPr>
-          <a:lstStyle/>
-          <a:p>
-            <a:pPr marL="0" marR="0" indent="0" algn="ctr" defTabSz="914400" rtl="0" eaLnBrk="0" fontAlgn="base" latinLnBrk="0" hangingPunct="0">
-              <a:lnSpc>
-                <a:spcPct val="100000"/>
-              </a:lnSpc>
-              <a:spcBef>
-                <a:spcPct val="0"/>
-              </a:spcBef>
-              <a:spcAft>
-                <a:spcPct val="0"/>
-              </a:spcAft>
-              <a:buClrTx/>
-              <a:buSzTx/>
-              <a:buFontTx/>
-              <a:buNone/>
-              <a:tabLst/>
-            </a:pPr>
-            <a:r>
-              <a:rPr kumimoji="0" lang="en-US" sz="2400" b="0" i="0" u="none" strike="noStrike" cap="none" normalizeH="0" baseline="0" dirty="0" smtClean="0">
-                <a:ln>
-                  <a:noFill/>
-                </a:ln>
-                <a:solidFill>
-                  <a:schemeClr val="bg1"/>
-                </a:solidFill>
-                <a:latin typeface="Arial" charset="0"/>
-                <a:ea typeface="ＭＳ Ｐゴシック" pitchFamily="1" charset="-128"/>
-              </a:rPr>
-              <a:t>Do we know this exactly?</a:t>
-            </a:r>
-          </a:p>
-        </p:txBody>
-      </p:sp>
-      <p:sp>
-        <p:nvSpPr>
-          <p:cNvPr id="7" name="Rounded Rectangular Callout 6"/>
-          <p:cNvSpPr/>
-          <p:nvPr/>
-        </p:nvSpPr>
-        <p:spPr bwMode="auto">
-          <a:xfrm>
-            <a:off x="4702200" y="7181056"/>
-            <a:ext cx="3096344" cy="1080120"/>
-          </a:xfrm>
-          <a:prstGeom prst="wedgeRoundRectCallout">
-            <a:avLst>
-              <a:gd name="adj1" fmla="val -1402"/>
-              <a:gd name="adj2" fmla="val -78425"/>
-              <a:gd name="adj3" fmla="val 16667"/>
-            </a:avLst>
-          </a:prstGeom>
-          <a:solidFill>
-            <a:schemeClr val="bg2"/>
-          </a:solidFill>
-          <a:ln w="9525" cap="flat" cmpd="sng" algn="ctr">
-            <a:noFill/>
-            <a:prstDash val="solid"/>
-            <a:round/>
-            <a:headEnd type="none" w="med" len="med"/>
-            <a:tailEnd type="none" w="med" len="med"/>
-          </a:ln>
-          <a:effectLst/>
-        </p:spPr>
-        <p:txBody>
-          <a:bodyPr vert="horz" wrap="square" lIns="91440" tIns="45720" rIns="91440" bIns="45720" numCol="1" rtlCol="0" anchor="t" anchorCtr="0" compatLnSpc="1">
-            <a:prstTxWarp prst="textNoShape">
-              <a:avLst/>
-            </a:prstTxWarp>
-          </a:bodyPr>
-          <a:lstStyle/>
-          <a:p>
-            <a:pPr marL="0" marR="0" indent="0" algn="ctr" defTabSz="914400" rtl="0" eaLnBrk="0" fontAlgn="base" latinLnBrk="0" hangingPunct="0">
-              <a:lnSpc>
-                <a:spcPct val="100000"/>
-              </a:lnSpc>
-              <a:spcBef>
-                <a:spcPct val="0"/>
-              </a:spcBef>
-              <a:spcAft>
-                <a:spcPct val="0"/>
-              </a:spcAft>
-              <a:buClrTx/>
-              <a:buSzTx/>
-              <a:buFontTx/>
-              <a:buNone/>
-              <a:tabLst/>
-            </a:pPr>
-            <a:r>
-              <a:rPr kumimoji="0" lang="en-US" sz="2400" b="0" i="0" u="none" strike="noStrike" cap="none" normalizeH="0" baseline="0" dirty="0" smtClean="0">
-                <a:ln>
-                  <a:noFill/>
-                </a:ln>
-                <a:solidFill>
-                  <a:schemeClr val="bg1"/>
-                </a:solidFill>
-                <a:latin typeface="Arial" charset="0"/>
-                <a:ea typeface="ＭＳ Ｐゴシック" pitchFamily="1" charset="-128"/>
-              </a:rPr>
-              <a:t>How to discount this over time?</a:t>
-            </a:r>
-          </a:p>
-        </p:txBody>
-      </p:sp>
     </p:spTree>
     <p:extLst>
       <p:ext uri="{BB962C8B-B14F-4D97-AF65-F5344CB8AC3E}">
-        <p14:creationId xmlns:p14="http://schemas.microsoft.com/office/powerpoint/2010/main" val="160830068"/>
+        <p14:creationId xmlns:p14="http://schemas.microsoft.com/office/powerpoint/2010/main" val="3146574597"/>
       </p:ext>
     </p:extLst>
   </p:cSld>
@@ -11624,10 +11737,10 @@
           <a:bodyPr/>
           <a:lstStyle/>
           <a:p>
-            <a:pPr marL="1216025" indent="-1216025"/>
+            <a:pPr marL="0" indent="0"/>
             <a:r>
               <a:rPr lang="en-US" dirty="0" smtClean="0"/>
-              <a:t>Deep Uncertainty re-evaluation</a:t>
+              <a:t>Robust search versus reference scenario search</a:t>
             </a:r>
             <a:endParaRPr lang="en-US" dirty="0"/>
           </a:p>
@@ -11635,14 +11748,14 @@
       </p:sp>
       <p:pic>
         <p:nvPicPr>
-          <p:cNvPr id="5" name="Picture 4" descr="figdeep uncertainty learning_highres.png"/>
+          <p:cNvPr id="6" name="Picture 5" descr="figviolin regret learning vs ro_highres.png"/>
           <p:cNvPicPr>
             <a:picLocks noChangeAspect="1"/>
           </p:cNvPicPr>
           <p:nvPr/>
         </p:nvPicPr>
         <p:blipFill>
-          <a:blip r:embed="rId3" cstate="print">
+          <a:blip r:embed="rId2" cstate="print">
             <a:extLst>
               <a:ext uri="{28A0092B-C50C-407E-A947-70E740481C1C}">
                 <a14:useLocalDpi xmlns:a14="http://schemas.microsoft.com/office/drawing/2010/main" val="0"/>
@@ -11655,8 +11768,8 @@
         </p:blipFill>
         <p:spPr>
           <a:xfrm>
-            <a:off x="2159000" y="2019300"/>
-            <a:ext cx="8686800" cy="5702808"/>
+            <a:off x="-50328" y="2597740"/>
+            <a:ext cx="13055128" cy="7175604"/>
           </a:xfrm>
           <a:prstGeom prst="rect">
             <a:avLst/>
@@ -11666,7 +11779,7 @@
     </p:spTree>
     <p:extLst>
       <p:ext uri="{BB962C8B-B14F-4D97-AF65-F5344CB8AC3E}">
-        <p14:creationId xmlns:p14="http://schemas.microsoft.com/office/powerpoint/2010/main" val="3146574597"/>
+        <p14:creationId xmlns:p14="http://schemas.microsoft.com/office/powerpoint/2010/main" val="4109046285"/>
       </p:ext>
     </p:extLst>
   </p:cSld>
